--- a/Presentation/Проект PyGame.pptx
+++ b/Presentation/Проект PyGame.pptx
@@ -7,7 +7,13 @@
   <p:sldIdLst>
     <p:sldId id="256" r:id="rId2"/>
     <p:sldId id="257" r:id="rId3"/>
-    <p:sldId id="258" r:id="rId4"/>
+    <p:sldId id="259" r:id="rId4"/>
+    <p:sldId id="258" r:id="rId5"/>
+    <p:sldId id="260" r:id="rId6"/>
+    <p:sldId id="261" r:id="rId7"/>
+    <p:sldId id="262" r:id="rId8"/>
+    <p:sldId id="263" r:id="rId9"/>
+    <p:sldId id="264" r:id="rId10"/>
   </p:sldIdLst>
   <p:sldSz cx="12192000" cy="6858000"/>
   <p:notesSz cx="6858000" cy="9144000"/>
@@ -306,7 +312,7 @@
             <a:fld id="{08B9EBBA-996F-894A-B54A-D6246ED52CEA}" type="datetimeFigureOut">
               <a:rPr lang="en-US" smtClean="0"/>
               <a:pPr/>
-              <a:t>1/12/2022</a:t>
+              <a:t>1/17/2022</a:t>
             </a:fld>
             <a:endParaRPr lang="en-US" dirty="0"/>
           </a:p>
@@ -744,7 +750,7 @@
             <a:fld id="{09B482E8-6E0E-1B4F-B1FD-C69DB9E858D9}" type="datetimeFigureOut">
               <a:rPr lang="en-US" smtClean="0"/>
               <a:pPr/>
-              <a:t>1/12/2022</a:t>
+              <a:t>1/17/2022</a:t>
             </a:fld>
             <a:endParaRPr lang="en-US" dirty="0"/>
           </a:p>
@@ -997,7 +1003,7 @@
             <a:fld id="{09B482E8-6E0E-1B4F-B1FD-C69DB9E858D9}" type="datetimeFigureOut">
               <a:rPr lang="en-US" smtClean="0"/>
               <a:pPr/>
-              <a:t>1/12/2022</a:t>
+              <a:t>1/17/2022</a:t>
             </a:fld>
             <a:endParaRPr lang="en-US" dirty="0"/>
           </a:p>
@@ -1308,7 +1314,7 @@
             <a:fld id="{09B482E8-6E0E-1B4F-B1FD-C69DB9E858D9}" type="datetimeFigureOut">
               <a:rPr lang="en-US" smtClean="0"/>
               <a:pPr/>
-              <a:t>1/12/2022</a:t>
+              <a:t>1/17/2022</a:t>
             </a:fld>
             <a:endParaRPr lang="en-US" dirty="0"/>
           </a:p>
@@ -1629,7 +1635,7 @@
             <a:fld id="{09B482E8-6E0E-1B4F-B1FD-C69DB9E858D9}" type="datetimeFigureOut">
               <a:rPr lang="en-US" smtClean="0"/>
               <a:pPr/>
-              <a:t>1/12/2022</a:t>
+              <a:t>1/17/2022</a:t>
             </a:fld>
             <a:endParaRPr lang="en-US" dirty="0"/>
           </a:p>
@@ -1934,7 +1940,7 @@
             <a:fld id="{09B482E8-6E0E-1B4F-B1FD-C69DB9E858D9}" type="datetimeFigureOut">
               <a:rPr lang="en-US" smtClean="0"/>
               <a:pPr/>
-              <a:t>1/12/2022</a:t>
+              <a:t>1/17/2022</a:t>
             </a:fld>
             <a:endParaRPr lang="en-US" dirty="0"/>
           </a:p>
@@ -2304,7 +2310,7 @@
             <a:fld id="{09B482E8-6E0E-1B4F-B1FD-C69DB9E858D9}" type="datetimeFigureOut">
               <a:rPr lang="en-US" smtClean="0"/>
               <a:pPr/>
-              <a:t>1/12/2022</a:t>
+              <a:t>1/17/2022</a:t>
             </a:fld>
             <a:endParaRPr lang="en-US" dirty="0"/>
           </a:p>
@@ -2481,7 +2487,7 @@
             <a:fld id="{C6C52C72-DE31-F449-A4ED-4C594FD91407}" type="datetimeFigureOut">
               <a:rPr lang="en-US" smtClean="0"/>
               <a:pPr/>
-              <a:t>1/12/2022</a:t>
+              <a:t>1/17/2022</a:t>
             </a:fld>
             <a:endParaRPr lang="en-US" dirty="0"/>
           </a:p>
@@ -2663,7 +2669,7 @@
             <a:fld id="{ED62726E-379B-B349-9EED-81ED093FA806}" type="datetimeFigureOut">
               <a:rPr lang="en-US" smtClean="0"/>
               <a:pPr/>
-              <a:t>1/12/2022</a:t>
+              <a:t>1/17/2022</a:t>
             </a:fld>
             <a:endParaRPr lang="en-US" dirty="0"/>
           </a:p>
@@ -2835,7 +2841,7 @@
             <a:fld id="{9B3A1323-8D79-1946-B0D7-40001CF92E9D}" type="datetimeFigureOut">
               <a:rPr lang="en-US" smtClean="0"/>
               <a:pPr/>
-              <a:t>1/12/2022</a:t>
+              <a:t>1/17/2022</a:t>
             </a:fld>
             <a:endParaRPr lang="en-US" dirty="0"/>
           </a:p>
@@ -3087,7 +3093,7 @@
             <a:fld id="{8DFA1846-DA80-1C48-A609-854EA85C59AD}" type="datetimeFigureOut">
               <a:rPr lang="en-US" smtClean="0"/>
               <a:pPr/>
-              <a:t>1/12/2022</a:t>
+              <a:t>1/17/2022</a:t>
             </a:fld>
             <a:endParaRPr lang="en-US" dirty="0"/>
           </a:p>
@@ -3325,7 +3331,7 @@
             <a:fld id="{57302355-E14B-8545-A8F8-0FE83CC9D524}" type="datetimeFigureOut">
               <a:rPr lang="en-US" smtClean="0"/>
               <a:pPr/>
-              <a:t>1/12/2022</a:t>
+              <a:t>1/17/2022</a:t>
             </a:fld>
             <a:endParaRPr lang="en-US" dirty="0"/>
           </a:p>
@@ -3709,7 +3715,7 @@
             <a:fld id="{02640F58-564D-2B4F-AE67-E407BA4FCF45}" type="datetimeFigureOut">
               <a:rPr lang="en-US" smtClean="0"/>
               <a:pPr/>
-              <a:t>1/12/2022</a:t>
+              <a:t>1/17/2022</a:t>
             </a:fld>
             <a:endParaRPr lang="en-US" dirty="0"/>
           </a:p>
@@ -3829,7 +3835,7 @@
             <a:fld id="{F13A34C8-038E-2045-AF43-DF7DBB8E0E9E}" type="datetimeFigureOut">
               <a:rPr lang="en-US" smtClean="0"/>
               <a:pPr/>
-              <a:t>1/12/2022</a:t>
+              <a:t>1/17/2022</a:t>
             </a:fld>
             <a:endParaRPr lang="en-US" dirty="0"/>
           </a:p>
@@ -3926,7 +3932,7 @@
             <a:fld id="{8818C68F-D26B-8F47-958C-23B49CF8A634}" type="datetimeFigureOut">
               <a:rPr lang="en-US" smtClean="0"/>
               <a:pPr/>
-              <a:t>1/12/2022</a:t>
+              <a:t>1/17/2022</a:t>
             </a:fld>
             <a:endParaRPr lang="en-US" dirty="0"/>
           </a:p>
@@ -4183,7 +4189,7 @@
             <a:fld id="{D0DF5E60-9974-AC48-9591-99C2BB44B7CF}" type="datetimeFigureOut">
               <a:rPr lang="en-US" smtClean="0"/>
               <a:pPr/>
-              <a:t>1/12/2022</a:t>
+              <a:t>1/17/2022</a:t>
             </a:fld>
             <a:endParaRPr lang="en-US" dirty="0"/>
           </a:p>
@@ -4468,7 +4474,7 @@
             <a:fld id="{09B482E8-6E0E-1B4F-B1FD-C69DB9E858D9}" type="datetimeFigureOut">
               <a:rPr lang="en-US" smtClean="0"/>
               <a:pPr/>
-              <a:t>1/12/2022</a:t>
+              <a:t>1/17/2022</a:t>
             </a:fld>
             <a:endParaRPr lang="en-US" dirty="0"/>
           </a:p>
@@ -4877,7 +4883,7 @@
             <a:fld id="{09B482E8-6E0E-1B4F-B1FD-C69DB9E858D9}" type="datetimeFigureOut">
               <a:rPr lang="en-US" smtClean="0"/>
               <a:pPr/>
-              <a:t>1/12/2022</a:t>
+              <a:t>1/17/2022</a:t>
             </a:fld>
             <a:endParaRPr lang="en-US" dirty="0"/>
           </a:p>
@@ -5445,15 +5451,31 @@
                   <a:srgbClr val="00B0F0"/>
                 </a:solidFill>
               </a:rPr>
-              <a:t> Py</a:t>
-            </a:r>
-            <a:r>
-              <a:rPr lang="en-US" dirty="0">
+              <a:t> </a:t>
+            </a:r>
+            <a:r>
+              <a:rPr lang="en-US" dirty="0" err="1">
+                <a:solidFill>
+                  <a:srgbClr val="00B0F0"/>
+                </a:solidFill>
+              </a:rPr>
+              <a:t>Py</a:t>
+            </a:r>
+            <a:r>
+              <a:rPr lang="en-US" dirty="0" err="1">
                 <a:solidFill>
                   <a:srgbClr val="0070C0"/>
                 </a:solidFill>
               </a:rPr>
               <a:t>Game</a:t>
+            </a:r>
+            <a:r>
+              <a:rPr lang="ru-RU" dirty="0">
+                <a:solidFill>
+                  <a:schemeClr val="tx1"/>
+                </a:solidFill>
+              </a:rPr>
+              <a:t/>
             </a:r>
             <a:br>
               <a:rPr lang="ru-RU" dirty="0">
@@ -5497,7 +5519,7 @@
         <p:spPr>
           <a:xfrm>
             <a:off x="684211" y="3843867"/>
-            <a:ext cx="9477555" cy="1947333"/>
+            <a:ext cx="10658044" cy="1947333"/>
           </a:xfrm>
         </p:spPr>
         <p:txBody>
@@ -5528,10 +5550,10 @@
                   </a:schemeClr>
                 </a:solidFill>
               </a:rPr>
-              <a:t>Булдаков Арсений, подпольная кличка </a:t>
-            </a:r>
-            <a:r>
-              <a:rPr lang="en-US" sz="2500" dirty="0">
+              <a:t>Булдаков Арсений, </a:t>
+            </a:r>
+            <a:r>
+              <a:rPr lang="ru-RU" sz="2500" dirty="0" smtClean="0">
                 <a:solidFill>
                   <a:schemeClr val="accent4">
                     <a:lumMod val="60000"/>
@@ -5539,12 +5561,10 @@
                   </a:schemeClr>
                 </a:solidFill>
               </a:rPr>
-              <a:t>Ceber-Zhaba</a:t>
-            </a:r>
-          </a:p>
-          <a:p>
-            <a:r>
-              <a:rPr lang="ru-RU" sz="2500" dirty="0">
+              <a:t>в сети более известен как </a:t>
+            </a:r>
+            <a:r>
+              <a:rPr lang="en-US" sz="2500" dirty="0" smtClean="0">
                 <a:solidFill>
                   <a:schemeClr val="accent4">
                     <a:lumMod val="60000"/>
@@ -5552,10 +5572,42 @@
                   </a:schemeClr>
                 </a:solidFill>
               </a:rPr>
-              <a:t>Марченко Александр, более известный как </a:t>
-            </a:r>
-            <a:r>
-              <a:rPr lang="en-US" sz="2500" dirty="0">
+              <a:t>Ceber-Zhaba</a:t>
+            </a:r>
+            <a:endParaRPr lang="en-US" sz="2500" dirty="0">
+              <a:solidFill>
+                <a:schemeClr val="accent4">
+                  <a:lumMod val="60000"/>
+                  <a:lumOff val="40000"/>
+                </a:schemeClr>
+              </a:solidFill>
+            </a:endParaRPr>
+          </a:p>
+          <a:p>
+            <a:r>
+              <a:rPr lang="ru-RU" sz="2500" dirty="0">
+                <a:solidFill>
+                  <a:schemeClr val="accent4">
+                    <a:lumMod val="60000"/>
+                    <a:lumOff val="40000"/>
+                  </a:schemeClr>
+                </a:solidFill>
+              </a:rPr>
+              <a:t>Марченко Александр, </a:t>
+            </a:r>
+            <a:r>
+              <a:rPr lang="ru-RU" sz="2500" dirty="0" smtClean="0">
+                <a:solidFill>
+                  <a:schemeClr val="accent4">
+                    <a:lumMod val="60000"/>
+                    <a:lumOff val="40000"/>
+                  </a:schemeClr>
+                </a:solidFill>
+              </a:rPr>
+              <a:t>подпольная кличка </a:t>
+            </a:r>
+            <a:r>
+              <a:rPr lang="en-US" sz="2500" dirty="0" smtClean="0">
                 <a:solidFill>
                   <a:schemeClr val="accent4">
                     <a:lumMod val="60000"/>
@@ -5668,7 +5720,29 @@
                   </a:schemeClr>
                 </a:solidFill>
               </a:rPr>
-              <a:t>Главная цель игры – заработать как можно больше очков и пройти как можно больше уровней</a:t>
+              <a:t>Главная цель игры – заработать как можно больше </a:t>
+            </a:r>
+            <a:r>
+              <a:rPr lang="ru-RU" dirty="0" smtClean="0">
+                <a:solidFill>
+                  <a:schemeClr val="accent2">
+                    <a:lumMod val="60000"/>
+                    <a:lumOff val="40000"/>
+                  </a:schemeClr>
+                </a:solidFill>
+              </a:rPr>
+              <a:t>монеток и </a:t>
+            </a:r>
+            <a:r>
+              <a:rPr lang="ru-RU" dirty="0">
+                <a:solidFill>
+                  <a:schemeClr val="accent2">
+                    <a:lumMod val="60000"/>
+                    <a:lumOff val="40000"/>
+                  </a:schemeClr>
+                </a:solidFill>
+              </a:rPr>
+              <a:t>пройти как можно больше уровней</a:t>
             </a:r>
           </a:p>
         </p:txBody>
@@ -5717,6 +5791,11 @@
 <file path=ppt/slides/slide3.xml><?xml version="1.0" encoding="utf-8"?>
 <p:sld xmlns:a="http://schemas.openxmlformats.org/drawingml/2006/main" xmlns:r="http://schemas.openxmlformats.org/officeDocument/2006/relationships" xmlns:p="http://schemas.openxmlformats.org/presentationml/2006/main">
   <p:cSld>
+    <p:bg>
+      <p:bgRef idx="1002">
+        <a:schemeClr val="bg2"/>
+      </p:bgRef>
+    </p:bg>
     <p:spTree>
       <p:nvGrpSpPr>
         <p:cNvPr id="1" name=""/>
@@ -5733,6 +5812,118 @@
       </p:grpSpPr>
       <p:sp>
         <p:nvSpPr>
+          <p:cNvPr id="2" name="Заголовок 1"/>
+          <p:cNvSpPr>
+            <a:spLocks noGrp="1"/>
+          </p:cNvSpPr>
+          <p:nvPr>
+            <p:ph type="title"/>
+          </p:nvPr>
+        </p:nvSpPr>
+        <p:spPr/>
+        <p:txBody>
+          <a:bodyPr>
+            <a:normAutofit/>
+          </a:bodyPr>
+          <a:lstStyle/>
+          <a:p>
+            <a:r>
+              <a:rPr lang="ru-RU" dirty="0">
+                <a:solidFill>
+                  <a:schemeClr val="accent2">
+                    <a:lumMod val="60000"/>
+                    <a:lumOff val="40000"/>
+                  </a:schemeClr>
+                </a:solidFill>
+              </a:rPr>
+              <a:t>Как играть?</a:t>
+            </a:r>
+            <a:endParaRPr lang="ru-RU" dirty="0">
+              <a:solidFill>
+                <a:schemeClr val="accent2">
+                  <a:lumMod val="60000"/>
+                  <a:lumOff val="40000"/>
+                </a:schemeClr>
+              </a:solidFill>
+            </a:endParaRPr>
+          </a:p>
+        </p:txBody>
+      </p:sp>
+      <p:sp>
+        <p:nvSpPr>
+          <p:cNvPr id="3" name="Текст 2"/>
+          <p:cNvSpPr>
+            <a:spLocks noGrp="1"/>
+          </p:cNvSpPr>
+          <p:nvPr>
+            <p:ph type="body" idx="1"/>
+          </p:nvPr>
+        </p:nvSpPr>
+        <p:spPr>
+          <a:xfrm>
+            <a:off x="684211" y="3509818"/>
+            <a:ext cx="11018261" cy="2484582"/>
+          </a:xfrm>
+        </p:spPr>
+        <p:txBody>
+          <a:bodyPr>
+            <a:normAutofit/>
+          </a:bodyPr>
+          <a:lstStyle/>
+          <a:p>
+            <a:r>
+              <a:rPr lang="ru-RU" dirty="0"/>
+              <a:t>В меню надо нажать кнопку [</a:t>
+            </a:r>
+            <a:r>
+              <a:rPr lang="en-US" dirty="0"/>
+              <a:t>Play</a:t>
+            </a:r>
+            <a:r>
+              <a:rPr lang="ru-RU" dirty="0"/>
+              <a:t>], после этого персонаж попадает на карту, населённую враждебными сущностями. Также на карте находится Монолит, который позволяет игроку перейти на следующий уровень. Координаты Монолита, как и игрока определяются случайно. После того, как вы подойдёте к монолиту вас перекинет в магазин, где вы сможете купить способности в обмен на монетки, которые вы получаете за убийства врагов.</a:t>
+            </a:r>
+            <a:endParaRPr lang="ru-RU" dirty="0"/>
+          </a:p>
+        </p:txBody>
+      </p:sp>
+    </p:spTree>
+    <p:extLst>
+      <p:ext uri="{BB962C8B-B14F-4D97-AF65-F5344CB8AC3E}">
+        <p14:creationId xmlns:p14="http://schemas.microsoft.com/office/powerpoint/2010/main" val="2145251393"/>
+      </p:ext>
+    </p:extLst>
+  </p:cSld>
+  <p:clrMapOvr>
+    <a:overrideClrMapping bg1="dk1" tx1="lt1" bg2="dk2" tx2="lt2" accent1="accent1" accent2="accent2" accent3="accent3" accent4="accent4" accent5="accent5" accent6="accent6" hlink="hlink" folHlink="folHlink"/>
+  </p:clrMapOvr>
+</p:sld>
+</file>
+
+<file path=ppt/slides/slide4.xml><?xml version="1.0" encoding="utf-8"?>
+<p:sld xmlns:a="http://schemas.openxmlformats.org/drawingml/2006/main" xmlns:r="http://schemas.openxmlformats.org/officeDocument/2006/relationships" xmlns:p="http://schemas.openxmlformats.org/presentationml/2006/main">
+  <p:cSld>
+    <p:bg>
+      <p:bgRef idx="1002">
+        <a:schemeClr val="bg2"/>
+      </p:bgRef>
+    </p:bg>
+    <p:spTree>
+      <p:nvGrpSpPr>
+        <p:cNvPr id="1" name=""/>
+        <p:cNvGrpSpPr/>
+        <p:nvPr/>
+      </p:nvGrpSpPr>
+      <p:grpSpPr>
+        <a:xfrm>
+          <a:off x="0" y="0"/>
+          <a:ext cx="0" cy="0"/>
+          <a:chOff x="0" y="0"/>
+          <a:chExt cx="0" cy="0"/>
+        </a:xfrm>
+      </p:grpSpPr>
+      <p:sp>
+        <p:nvSpPr>
           <p:cNvPr id="2" name="Заголовок 1">
             <a:extLst>
               <a:ext uri="{FF2B5EF4-FFF2-40B4-BE49-F238E27FC236}">
@@ -5801,16 +5992,21 @@
           <a:p>
             <a:r>
               <a:rPr lang="ru-RU" sz="2400" dirty="0"/>
-              <a:t>Перемещение		Атака </a:t>
-            </a:r>
-            <a:r>
-              <a:rPr lang="en-US" sz="2400" dirty="0"/>
+              <a:t>Перемещение		</a:t>
+            </a:r>
+            <a:r>
+              <a:rPr lang="ru-RU" sz="2400" dirty="0" smtClean="0"/>
+              <a:t>Атака </a:t>
+            </a:r>
+            <a:r>
+              <a:rPr lang="en-US" sz="2400" dirty="0" smtClean="0"/>
               <a:t>		</a:t>
             </a:r>
             <a:r>
-              <a:rPr lang="ru-RU" sz="2400" dirty="0"/>
-              <a:t>Изменение масштаба</a:t>
-            </a:r>
+              <a:rPr lang="ru-RU" sz="2400" dirty="0" smtClean="0"/>
+              <a:t>			Читы</a:t>
+            </a:r>
+            <a:endParaRPr lang="ru-RU" sz="2400" dirty="0"/>
           </a:p>
           <a:p>
             <a:r>
@@ -5830,25 +6026,14 @@
               <a:t>ПКМ</a:t>
             </a:r>
             <a:r>
-              <a:rPr lang="en-US" sz="2400" dirty="0"/>
-              <a:t>]		 [</a:t>
-            </a:r>
-            <a:r>
-              <a:rPr lang="ru-RU" sz="2400" dirty="0"/>
-              <a:t>↕</a:t>
-            </a:r>
-            <a:r>
-              <a:rPr lang="en-US" sz="2400" dirty="0"/>
-              <a:t> </a:t>
-            </a:r>
-            <a:r>
-              <a:rPr lang="ru-RU" sz="2400" dirty="0"/>
-              <a:t>колёсико мыши</a:t>
-            </a:r>
-            <a:r>
-              <a:rPr lang="en-US" sz="2400" dirty="0"/>
+              <a:rPr lang="en-US" sz="2400" dirty="0" smtClean="0"/>
               <a:t>]</a:t>
             </a:r>
+            <a:r>
+              <a:rPr lang="ru-RU" sz="2400" dirty="0" smtClean="0"/>
+              <a:t>		Спросить у разработчиков</a:t>
+            </a:r>
+            <a:endParaRPr lang="en-US" sz="2400" dirty="0"/>
           </a:p>
           <a:p>
             <a:r>
@@ -5889,6 +6074,965 @@
     <p:extLst>
       <p:ext uri="{BB962C8B-B14F-4D97-AF65-F5344CB8AC3E}">
         <p14:creationId xmlns:p14="http://schemas.microsoft.com/office/powerpoint/2010/main" val="3129783581"/>
+      </p:ext>
+    </p:extLst>
+  </p:cSld>
+  <p:clrMapOvr>
+    <a:overrideClrMapping bg1="dk1" tx1="lt1" bg2="dk2" tx2="lt2" accent1="accent1" accent2="accent2" accent3="accent3" accent4="accent4" accent5="accent5" accent6="accent6" hlink="hlink" folHlink="folHlink"/>
+  </p:clrMapOvr>
+</p:sld>
+</file>
+
+<file path=ppt/slides/slide5.xml><?xml version="1.0" encoding="utf-8"?>
+<p:sld xmlns:a="http://schemas.openxmlformats.org/drawingml/2006/main" xmlns:r="http://schemas.openxmlformats.org/officeDocument/2006/relationships" xmlns:p="http://schemas.openxmlformats.org/presentationml/2006/main">
+  <p:cSld>
+    <p:spTree>
+      <p:nvGrpSpPr>
+        <p:cNvPr id="1" name=""/>
+        <p:cNvGrpSpPr/>
+        <p:nvPr/>
+      </p:nvGrpSpPr>
+      <p:grpSpPr>
+        <a:xfrm>
+          <a:off x="0" y="0"/>
+          <a:ext cx="0" cy="0"/>
+          <a:chOff x="0" y="0"/>
+          <a:chExt cx="0" cy="0"/>
+        </a:xfrm>
+      </p:grpSpPr>
+      <p:sp>
+        <p:nvSpPr>
+          <p:cNvPr id="2" name="Заголовок 1"/>
+          <p:cNvSpPr>
+            <a:spLocks noGrp="1"/>
+          </p:cNvSpPr>
+          <p:nvPr>
+            <p:ph type="title"/>
+          </p:nvPr>
+        </p:nvSpPr>
+        <p:spPr/>
+        <p:txBody>
+          <a:bodyPr>
+            <a:normAutofit/>
+          </a:bodyPr>
+          <a:lstStyle/>
+          <a:p>
+            <a:r>
+              <a:rPr lang="ru-RU" dirty="0">
+                <a:solidFill>
+                  <a:schemeClr val="accent2">
+                    <a:lumMod val="60000"/>
+                    <a:lumOff val="40000"/>
+                  </a:schemeClr>
+                </a:solidFill>
+              </a:rPr>
+              <a:t>Характеристики персонажа</a:t>
+            </a:r>
+            <a:br>
+              <a:rPr lang="ru-RU" dirty="0">
+                <a:solidFill>
+                  <a:schemeClr val="accent2">
+                    <a:lumMod val="60000"/>
+                    <a:lumOff val="40000"/>
+                  </a:schemeClr>
+                </a:solidFill>
+              </a:rPr>
+            </a:br>
+            <a:endParaRPr lang="ru-RU" dirty="0">
+              <a:solidFill>
+                <a:schemeClr val="accent2">
+                  <a:lumMod val="60000"/>
+                  <a:lumOff val="40000"/>
+                </a:schemeClr>
+              </a:solidFill>
+            </a:endParaRPr>
+          </a:p>
+        </p:txBody>
+      </p:sp>
+      <p:sp>
+        <p:nvSpPr>
+          <p:cNvPr id="3" name="Текст 2"/>
+          <p:cNvSpPr>
+            <a:spLocks noGrp="1"/>
+          </p:cNvSpPr>
+          <p:nvPr>
+            <p:ph type="body" idx="1"/>
+          </p:nvPr>
+        </p:nvSpPr>
+        <p:spPr>
+          <a:xfrm>
+            <a:off x="684211" y="3500582"/>
+            <a:ext cx="10981315" cy="2493818"/>
+          </a:xfrm>
+        </p:spPr>
+        <p:txBody>
+          <a:bodyPr>
+            <a:normAutofit/>
+          </a:bodyPr>
+          <a:lstStyle/>
+          <a:p>
+            <a:pPr lvl="0"/>
+            <a:r>
+              <a:rPr lang="en-US" dirty="0"/>
+              <a:t>Strength</a:t>
+            </a:r>
+            <a:r>
+              <a:rPr lang="ru-RU" dirty="0"/>
+              <a:t> – урон наносимый персонажем по противнику</a:t>
+            </a:r>
+          </a:p>
+          <a:p>
+            <a:pPr lvl="0"/>
+            <a:r>
+              <a:rPr lang="en-US" dirty="0"/>
+              <a:t>Speed</a:t>
+            </a:r>
+            <a:r>
+              <a:rPr lang="ru-RU" dirty="0"/>
+              <a:t> – скорость передвижения игрока по карте</a:t>
+            </a:r>
+          </a:p>
+          <a:p>
+            <a:pPr lvl="0"/>
+            <a:r>
+              <a:rPr lang="en-US" dirty="0"/>
+              <a:t>Health</a:t>
+            </a:r>
+            <a:r>
+              <a:rPr lang="ru-RU" dirty="0"/>
+              <a:t> – максимальное здоровье персонажа</a:t>
+            </a:r>
+          </a:p>
+          <a:p>
+            <a:pPr lvl="0"/>
+            <a:r>
+              <a:rPr lang="en-US" dirty="0"/>
+              <a:t>Regeneration</a:t>
+            </a:r>
+            <a:r>
+              <a:rPr lang="ru-RU" dirty="0"/>
+              <a:t> – регенерация (восстановление некоторого количества здоровья за определённый период) </a:t>
+            </a:r>
+          </a:p>
+          <a:p>
+            <a:endParaRPr lang="ru-RU" dirty="0"/>
+          </a:p>
+        </p:txBody>
+      </p:sp>
+    </p:spTree>
+    <p:extLst>
+      <p:ext uri="{BB962C8B-B14F-4D97-AF65-F5344CB8AC3E}">
+        <p14:creationId xmlns:p14="http://schemas.microsoft.com/office/powerpoint/2010/main" val="4214709716"/>
+      </p:ext>
+    </p:extLst>
+  </p:cSld>
+  <p:clrMapOvr>
+    <a:masterClrMapping/>
+  </p:clrMapOvr>
+</p:sld>
+</file>
+
+<file path=ppt/slides/slide6.xml><?xml version="1.0" encoding="utf-8"?>
+<p:sld xmlns:a="http://schemas.openxmlformats.org/drawingml/2006/main" xmlns:r="http://schemas.openxmlformats.org/officeDocument/2006/relationships" xmlns:p="http://schemas.openxmlformats.org/presentationml/2006/main">
+  <p:cSld>
+    <p:spTree>
+      <p:nvGrpSpPr>
+        <p:cNvPr id="1" name=""/>
+        <p:cNvGrpSpPr/>
+        <p:nvPr/>
+      </p:nvGrpSpPr>
+      <p:grpSpPr>
+        <a:xfrm>
+          <a:off x="0" y="0"/>
+          <a:ext cx="0" cy="0"/>
+          <a:chOff x="0" y="0"/>
+          <a:chExt cx="0" cy="0"/>
+        </a:xfrm>
+      </p:grpSpPr>
+      <p:sp>
+        <p:nvSpPr>
+          <p:cNvPr id="2" name="Заголовок 1"/>
+          <p:cNvSpPr>
+            <a:spLocks noGrp="1"/>
+          </p:cNvSpPr>
+          <p:nvPr>
+            <p:ph type="title"/>
+          </p:nvPr>
+        </p:nvSpPr>
+        <p:spPr/>
+        <p:txBody>
+          <a:bodyPr>
+            <a:normAutofit/>
+          </a:bodyPr>
+          <a:lstStyle/>
+          <a:p>
+            <a:r>
+              <a:rPr lang="ru-RU" dirty="0">
+                <a:solidFill>
+                  <a:schemeClr val="accent2">
+                    <a:lumMod val="60000"/>
+                    <a:lumOff val="40000"/>
+                  </a:schemeClr>
+                </a:solidFill>
+              </a:rPr>
+              <a:t>Структурные </a:t>
+            </a:r>
+            <a:r>
+              <a:rPr lang="ru-RU" dirty="0" smtClean="0">
+                <a:solidFill>
+                  <a:schemeClr val="accent2">
+                    <a:lumMod val="60000"/>
+                    <a:lumOff val="40000"/>
+                  </a:schemeClr>
+                </a:solidFill>
+              </a:rPr>
+              <a:t>элементы</a:t>
+            </a:r>
+            <a:br>
+              <a:rPr lang="ru-RU" dirty="0" smtClean="0">
+                <a:solidFill>
+                  <a:schemeClr val="accent2">
+                    <a:lumMod val="60000"/>
+                    <a:lumOff val="40000"/>
+                  </a:schemeClr>
+                </a:solidFill>
+              </a:rPr>
+            </a:br>
+            <a:r>
+              <a:rPr lang="ru-RU" dirty="0">
+                <a:solidFill>
+                  <a:schemeClr val="accent2">
+                    <a:lumMod val="60000"/>
+                    <a:lumOff val="40000"/>
+                  </a:schemeClr>
+                </a:solidFill>
+              </a:rPr>
+              <a:t/>
+            </a:r>
+            <a:br>
+              <a:rPr lang="ru-RU" dirty="0">
+                <a:solidFill>
+                  <a:schemeClr val="accent2">
+                    <a:lumMod val="60000"/>
+                    <a:lumOff val="40000"/>
+                  </a:schemeClr>
+                </a:solidFill>
+              </a:rPr>
+            </a:br>
+            <a:r>
+              <a:rPr lang="ru-RU" dirty="0" smtClean="0">
+                <a:solidFill>
+                  <a:schemeClr val="accent2">
+                    <a:lumMod val="60000"/>
+                    <a:lumOff val="40000"/>
+                  </a:schemeClr>
+                </a:solidFill>
+              </a:rPr>
+              <a:t>Классы</a:t>
+            </a:r>
+            <a:r>
+              <a:rPr lang="ru-RU" dirty="0">
+                <a:solidFill>
+                  <a:schemeClr val="accent2">
+                    <a:lumMod val="60000"/>
+                    <a:lumOff val="40000"/>
+                  </a:schemeClr>
+                </a:solidFill>
+              </a:rPr>
+              <a:t/>
+            </a:r>
+            <a:br>
+              <a:rPr lang="ru-RU" dirty="0">
+                <a:solidFill>
+                  <a:schemeClr val="accent2">
+                    <a:lumMod val="60000"/>
+                    <a:lumOff val="40000"/>
+                  </a:schemeClr>
+                </a:solidFill>
+              </a:rPr>
+            </a:br>
+            <a:endParaRPr lang="ru-RU" dirty="0">
+              <a:solidFill>
+                <a:schemeClr val="accent2">
+                  <a:lumMod val="60000"/>
+                  <a:lumOff val="40000"/>
+                </a:schemeClr>
+              </a:solidFill>
+            </a:endParaRPr>
+          </a:p>
+        </p:txBody>
+      </p:sp>
+      <p:sp>
+        <p:nvSpPr>
+          <p:cNvPr id="3" name="Текст 2"/>
+          <p:cNvSpPr>
+            <a:spLocks noGrp="1"/>
+          </p:cNvSpPr>
+          <p:nvPr>
+            <p:ph type="body" idx="1"/>
+          </p:nvPr>
+        </p:nvSpPr>
+        <p:spPr>
+          <a:xfrm>
+            <a:off x="684212" y="2900218"/>
+            <a:ext cx="10805824" cy="3777672"/>
+          </a:xfrm>
+        </p:spPr>
+        <p:txBody>
+          <a:bodyPr>
+            <a:normAutofit/>
+          </a:bodyPr>
+          <a:lstStyle/>
+          <a:p>
+            <a:pPr lvl="1"/>
+            <a:r>
+              <a:rPr lang="en-US" sz="1700" dirty="0">
+                <a:solidFill>
+                  <a:schemeClr val="bg2">
+                    <a:lumMod val="50000"/>
+                  </a:schemeClr>
+                </a:solidFill>
+              </a:rPr>
+              <a:t>Settings</a:t>
+            </a:r>
+            <a:r>
+              <a:rPr lang="ru-RU" sz="1700" dirty="0">
+                <a:solidFill>
+                  <a:schemeClr val="bg2">
+                    <a:lumMod val="50000"/>
+                  </a:schemeClr>
+                </a:solidFill>
+              </a:rPr>
+              <a:t> – класс, который хранит настройки</a:t>
+            </a:r>
+          </a:p>
+          <a:p>
+            <a:pPr lvl="1"/>
+            <a:r>
+              <a:rPr lang="en-US" sz="1700" dirty="0">
+                <a:solidFill>
+                  <a:schemeClr val="bg2">
+                    <a:lumMod val="50000"/>
+                  </a:schemeClr>
+                </a:solidFill>
+              </a:rPr>
+              <a:t>Player</a:t>
+            </a:r>
+            <a:r>
+              <a:rPr lang="ru-RU" sz="1700" dirty="0">
+                <a:solidFill>
+                  <a:schemeClr val="bg2">
+                    <a:lumMod val="50000"/>
+                  </a:schemeClr>
+                </a:solidFill>
+              </a:rPr>
+              <a:t> – класс игрока, он хранит анимации, показатели и инвентарь.</a:t>
+            </a:r>
+          </a:p>
+          <a:p>
+            <a:pPr lvl="1"/>
+            <a:r>
+              <a:rPr lang="en-US" sz="1700" dirty="0">
+                <a:solidFill>
+                  <a:schemeClr val="bg2">
+                    <a:lumMod val="50000"/>
+                  </a:schemeClr>
+                </a:solidFill>
+              </a:rPr>
+              <a:t>Entity</a:t>
+            </a:r>
+            <a:r>
+              <a:rPr lang="ru-RU" sz="1700" dirty="0">
+                <a:solidFill>
+                  <a:schemeClr val="bg2">
+                    <a:lumMod val="50000"/>
+                  </a:schemeClr>
+                </a:solidFill>
+              </a:rPr>
+              <a:t> – класс сущностей, которые могут быть настроены враждебно и нейтрально по отношению к игроку</a:t>
+            </a:r>
+          </a:p>
+          <a:p>
+            <a:pPr lvl="1"/>
+            <a:r>
+              <a:rPr lang="ru-RU" sz="1700" dirty="0">
+                <a:solidFill>
+                  <a:schemeClr val="bg2">
+                    <a:lumMod val="50000"/>
+                  </a:schemeClr>
+                </a:solidFill>
+              </a:rPr>
+              <a:t>MapGenerator – класс, который генерирует карту</a:t>
+            </a:r>
+          </a:p>
+          <a:p>
+            <a:pPr lvl="1"/>
+            <a:r>
+              <a:rPr lang="en-US" sz="1700" dirty="0">
+                <a:solidFill>
+                  <a:schemeClr val="bg2">
+                    <a:lumMod val="50000"/>
+                  </a:schemeClr>
+                </a:solidFill>
+              </a:rPr>
+              <a:t>FpsCounter</a:t>
+            </a:r>
+            <a:r>
+              <a:rPr lang="ru-RU" sz="1700" dirty="0">
+                <a:solidFill>
+                  <a:schemeClr val="bg2">
+                    <a:lumMod val="50000"/>
+                  </a:schemeClr>
+                </a:solidFill>
+              </a:rPr>
+              <a:t> – класс отображающий количество кадров в секунду, необходим для оптимизации игры</a:t>
+            </a:r>
+          </a:p>
+          <a:p>
+            <a:pPr lvl="1"/>
+            <a:r>
+              <a:rPr lang="ru-RU" sz="1700" dirty="0">
+                <a:solidFill>
+                  <a:schemeClr val="bg2">
+                    <a:lumMod val="50000"/>
+                  </a:schemeClr>
+                </a:solidFill>
+              </a:rPr>
+              <a:t>DrawFloor – класс, который </a:t>
+            </a:r>
+            <a:r>
+              <a:rPr lang="ru-RU" sz="1700" dirty="0" smtClean="0">
+                <a:solidFill>
+                  <a:schemeClr val="bg2">
+                    <a:lumMod val="50000"/>
+                  </a:schemeClr>
+                </a:solidFill>
+              </a:rPr>
+              <a:t>отрисовывает </a:t>
+            </a:r>
+            <a:r>
+              <a:rPr lang="ru-RU" sz="1700" dirty="0">
+                <a:solidFill>
+                  <a:schemeClr val="bg2">
+                    <a:lumMod val="50000"/>
+                  </a:schemeClr>
+                </a:solidFill>
+              </a:rPr>
+              <a:t>карту</a:t>
+            </a:r>
+          </a:p>
+          <a:p>
+            <a:pPr lvl="1"/>
+            <a:r>
+              <a:rPr lang="en-US" sz="1700" dirty="0">
+                <a:solidFill>
+                  <a:schemeClr val="bg2">
+                    <a:lumMod val="50000"/>
+                  </a:schemeClr>
+                </a:solidFill>
+              </a:rPr>
+              <a:t>Menu</a:t>
+            </a:r>
+            <a:r>
+              <a:rPr lang="ru-RU" sz="1700" dirty="0">
+                <a:solidFill>
+                  <a:schemeClr val="bg2">
+                    <a:lumMod val="50000"/>
+                  </a:schemeClr>
+                </a:solidFill>
+              </a:rPr>
+              <a:t> – класс, который отвечает за меню</a:t>
+            </a:r>
+          </a:p>
+          <a:p>
+            <a:endParaRPr lang="ru-RU" sz="1700" dirty="0"/>
+          </a:p>
+        </p:txBody>
+      </p:sp>
+    </p:spTree>
+    <p:extLst>
+      <p:ext uri="{BB962C8B-B14F-4D97-AF65-F5344CB8AC3E}">
+        <p14:creationId xmlns:p14="http://schemas.microsoft.com/office/powerpoint/2010/main" val="1667874351"/>
+      </p:ext>
+    </p:extLst>
+  </p:cSld>
+  <p:clrMapOvr>
+    <a:masterClrMapping/>
+  </p:clrMapOvr>
+</p:sld>
+</file>
+
+<file path=ppt/slides/slide7.xml><?xml version="1.0" encoding="utf-8"?>
+<p:sld xmlns:a="http://schemas.openxmlformats.org/drawingml/2006/main" xmlns:r="http://schemas.openxmlformats.org/officeDocument/2006/relationships" xmlns:p="http://schemas.openxmlformats.org/presentationml/2006/main">
+  <p:cSld>
+    <p:spTree>
+      <p:nvGrpSpPr>
+        <p:cNvPr id="1" name=""/>
+        <p:cNvGrpSpPr/>
+        <p:nvPr/>
+      </p:nvGrpSpPr>
+      <p:grpSpPr>
+        <a:xfrm>
+          <a:off x="0" y="0"/>
+          <a:ext cx="0" cy="0"/>
+          <a:chOff x="0" y="0"/>
+          <a:chExt cx="0" cy="0"/>
+        </a:xfrm>
+      </p:grpSpPr>
+      <p:sp>
+        <p:nvSpPr>
+          <p:cNvPr id="2" name="Заголовок 1"/>
+          <p:cNvSpPr>
+            <a:spLocks noGrp="1"/>
+          </p:cNvSpPr>
+          <p:nvPr>
+            <p:ph type="title"/>
+          </p:nvPr>
+        </p:nvSpPr>
+        <p:spPr/>
+        <p:txBody>
+          <a:bodyPr>
+            <a:normAutofit/>
+          </a:bodyPr>
+          <a:lstStyle/>
+          <a:p>
+            <a:pPr lvl="1"/>
+            <a:r>
+              <a:rPr lang="ru-RU" sz="3200" kern="1200" cap="all" dirty="0">
+                <a:ln w="3175" cmpd="sng">
+                  <a:noFill/>
+                </a:ln>
+                <a:solidFill>
+                  <a:schemeClr val="accent2">
+                    <a:lumMod val="60000"/>
+                    <a:lumOff val="40000"/>
+                  </a:schemeClr>
+                </a:solidFill>
+                <a:latin typeface="+mj-lt"/>
+                <a:ea typeface="+mj-ea"/>
+                <a:cs typeface="+mj-cs"/>
+              </a:rPr>
+              <a:t>Структурные элементы</a:t>
+            </a:r>
+            <a:br>
+              <a:rPr lang="ru-RU" sz="3200" kern="1200" cap="all" dirty="0">
+                <a:ln w="3175" cmpd="sng">
+                  <a:noFill/>
+                </a:ln>
+                <a:solidFill>
+                  <a:schemeClr val="accent2">
+                    <a:lumMod val="60000"/>
+                    <a:lumOff val="40000"/>
+                  </a:schemeClr>
+                </a:solidFill>
+                <a:latin typeface="+mj-lt"/>
+                <a:ea typeface="+mj-ea"/>
+                <a:cs typeface="+mj-cs"/>
+              </a:rPr>
+            </a:br>
+            <a:r>
+              <a:rPr lang="ru-RU" sz="2000" kern="1200" cap="all" dirty="0">
+                <a:ln w="3175" cmpd="sng">
+                  <a:noFill/>
+                </a:ln>
+                <a:solidFill>
+                  <a:schemeClr val="accent2">
+                    <a:lumMod val="60000"/>
+                    <a:lumOff val="40000"/>
+                  </a:schemeClr>
+                </a:solidFill>
+                <a:latin typeface="+mn-lt"/>
+                <a:ea typeface="+mn-ea"/>
+                <a:cs typeface="+mn-cs"/>
+              </a:rPr>
+              <a:t/>
+            </a:r>
+            <a:br>
+              <a:rPr lang="ru-RU" sz="2000" kern="1200" cap="all" dirty="0">
+                <a:ln w="3175" cmpd="sng">
+                  <a:noFill/>
+                </a:ln>
+                <a:solidFill>
+                  <a:schemeClr val="accent2">
+                    <a:lumMod val="60000"/>
+                    <a:lumOff val="40000"/>
+                  </a:schemeClr>
+                </a:solidFill>
+                <a:latin typeface="+mn-lt"/>
+                <a:ea typeface="+mn-ea"/>
+                <a:cs typeface="+mn-cs"/>
+              </a:rPr>
+            </a:br>
+            <a:endParaRPr lang="ru-RU" sz="2000" kern="1200" cap="all" dirty="0">
+              <a:ln w="3175" cmpd="sng">
+                <a:noFill/>
+              </a:ln>
+              <a:solidFill>
+                <a:schemeClr val="accent2">
+                  <a:lumMod val="60000"/>
+                  <a:lumOff val="40000"/>
+                </a:schemeClr>
+              </a:solidFill>
+              <a:latin typeface="+mn-lt"/>
+              <a:ea typeface="+mn-ea"/>
+              <a:cs typeface="+mn-cs"/>
+            </a:endParaRPr>
+          </a:p>
+        </p:txBody>
+      </p:sp>
+      <p:sp>
+        <p:nvSpPr>
+          <p:cNvPr id="3" name="Текст 2"/>
+          <p:cNvSpPr>
+            <a:spLocks noGrp="1"/>
+          </p:cNvSpPr>
+          <p:nvPr>
+            <p:ph type="body" idx="1"/>
+          </p:nvPr>
+        </p:nvSpPr>
+        <p:spPr>
+          <a:xfrm>
+            <a:off x="878175" y="3269673"/>
+            <a:ext cx="8535988" cy="2346036"/>
+          </a:xfrm>
+        </p:spPr>
+        <p:txBody>
+          <a:bodyPr>
+            <a:normAutofit/>
+          </a:bodyPr>
+          <a:lstStyle/>
+          <a:p>
+            <a:r>
+              <a:rPr lang="en-US" sz="1700" dirty="0"/>
+              <a:t>pygame</a:t>
+            </a:r>
+            <a:r>
+              <a:rPr lang="ru-RU" sz="1700" dirty="0"/>
+              <a:t> – основной класс для разработки игры</a:t>
+            </a:r>
+            <a:br>
+              <a:rPr lang="ru-RU" sz="1700" dirty="0"/>
+            </a:br>
+            <a:r>
+              <a:rPr lang="en-US" sz="1700" dirty="0"/>
+              <a:t>pygame</a:t>
+            </a:r>
+            <a:r>
+              <a:rPr lang="ru-RU" sz="1700" dirty="0"/>
+              <a:t>_</a:t>
+            </a:r>
+            <a:r>
+              <a:rPr lang="en-US" sz="1700" dirty="0"/>
+              <a:t>menu</a:t>
+            </a:r>
+            <a:r>
+              <a:rPr lang="ru-RU" sz="1700" dirty="0"/>
+              <a:t> – класс позволяющий легко создавать собственные меню</a:t>
+            </a:r>
+            <a:br>
+              <a:rPr lang="ru-RU" sz="1700" dirty="0"/>
+            </a:br>
+            <a:r>
+              <a:rPr lang="en-US" sz="1700" dirty="0"/>
+              <a:t>configparser</a:t>
+            </a:r>
+            <a:r>
+              <a:rPr lang="ru-RU" sz="1700" dirty="0"/>
+              <a:t> - для работ с файлами расширения .</a:t>
+            </a:r>
+            <a:r>
+              <a:rPr lang="en-US" sz="1700" dirty="0"/>
+              <a:t>cfg</a:t>
+            </a:r>
+            <a:r>
+              <a:rPr lang="ru-RU" sz="1700" dirty="0"/>
+              <a:t/>
+            </a:r>
+            <a:br>
+              <a:rPr lang="ru-RU" sz="1700" dirty="0"/>
+            </a:br>
+            <a:r>
+              <a:rPr lang="en-US" sz="1700" dirty="0"/>
+              <a:t>collections</a:t>
+            </a:r>
+            <a:r>
+              <a:rPr lang="ru-RU" sz="1700" dirty="0"/>
+              <a:t> - для анимации</a:t>
+            </a:r>
+          </a:p>
+        </p:txBody>
+      </p:sp>
+    </p:spTree>
+    <p:extLst>
+      <p:ext uri="{BB962C8B-B14F-4D97-AF65-F5344CB8AC3E}">
+        <p14:creationId xmlns:p14="http://schemas.microsoft.com/office/powerpoint/2010/main" val="2024241200"/>
+      </p:ext>
+    </p:extLst>
+  </p:cSld>
+  <p:clrMapOvr>
+    <a:masterClrMapping/>
+  </p:clrMapOvr>
+</p:sld>
+</file>
+
+<file path=ppt/slides/slide8.xml><?xml version="1.0" encoding="utf-8"?>
+<p:sld xmlns:a="http://schemas.openxmlformats.org/drawingml/2006/main" xmlns:r="http://schemas.openxmlformats.org/officeDocument/2006/relationships" xmlns:p="http://schemas.openxmlformats.org/presentationml/2006/main">
+  <p:cSld>
+    <p:bg>
+      <p:bgRef idx="1002">
+        <a:schemeClr val="bg2"/>
+      </p:bgRef>
+    </p:bg>
+    <p:spTree>
+      <p:nvGrpSpPr>
+        <p:cNvPr id="1" name=""/>
+        <p:cNvGrpSpPr/>
+        <p:nvPr/>
+      </p:nvGrpSpPr>
+      <p:grpSpPr>
+        <a:xfrm>
+          <a:off x="0" y="0"/>
+          <a:ext cx="0" cy="0"/>
+          <a:chOff x="0" y="0"/>
+          <a:chExt cx="0" cy="0"/>
+        </a:xfrm>
+      </p:grpSpPr>
+      <p:sp>
+        <p:nvSpPr>
+          <p:cNvPr id="2" name="Заголовок 1"/>
+          <p:cNvSpPr>
+            <a:spLocks noGrp="1"/>
+          </p:cNvSpPr>
+          <p:nvPr>
+            <p:ph type="title"/>
+          </p:nvPr>
+        </p:nvSpPr>
+        <p:spPr>
+          <a:xfrm>
+            <a:off x="629515" y="574964"/>
+            <a:ext cx="10058400" cy="2743200"/>
+          </a:xfrm>
+        </p:spPr>
+        <p:txBody>
+          <a:bodyPr/>
+          <a:lstStyle/>
+          <a:p>
+            <a:r>
+              <a:rPr lang="ru-RU" dirty="0">
+                <a:solidFill>
+                  <a:schemeClr val="accent2">
+                    <a:lumMod val="60000"/>
+                    <a:lumOff val="40000"/>
+                  </a:schemeClr>
+                </a:solidFill>
+              </a:rPr>
+              <a:t>Хранение данных</a:t>
+            </a:r>
+            <a:r>
+              <a:rPr lang="ru-RU" b="1" dirty="0"/>
+              <a:t/>
+            </a:r>
+            <a:br>
+              <a:rPr lang="ru-RU" b="1" dirty="0"/>
+            </a:br>
+            <a:endParaRPr lang="ru-RU" dirty="0"/>
+          </a:p>
+        </p:txBody>
+      </p:sp>
+      <p:sp>
+        <p:nvSpPr>
+          <p:cNvPr id="3" name="Текст 2"/>
+          <p:cNvSpPr>
+            <a:spLocks noGrp="1"/>
+          </p:cNvSpPr>
+          <p:nvPr>
+            <p:ph type="body" idx="1"/>
+          </p:nvPr>
+        </p:nvSpPr>
+        <p:spPr>
+          <a:xfrm>
+            <a:off x="629515" y="3135746"/>
+            <a:ext cx="8535988" cy="1879600"/>
+          </a:xfrm>
+        </p:spPr>
+        <p:txBody>
+          <a:bodyPr/>
+          <a:lstStyle/>
+          <a:p>
+            <a:r>
+              <a:rPr lang="ru-RU" dirty="0"/>
+              <a:t>Данные игровой сессии хранятся в файле с разрешением .</a:t>
+            </a:r>
+            <a:r>
+              <a:rPr lang="ru-RU" dirty="0" err="1"/>
+              <a:t>cfg</a:t>
+            </a:r>
+            <a:r>
+              <a:rPr lang="ru-RU" dirty="0"/>
+              <a:t>. Также в этом файле лежат настройки для игры.</a:t>
+            </a:r>
+            <a:endParaRPr lang="ru-RU" dirty="0"/>
+          </a:p>
+        </p:txBody>
+      </p:sp>
+    </p:spTree>
+    <p:extLst>
+      <p:ext uri="{BB962C8B-B14F-4D97-AF65-F5344CB8AC3E}">
+        <p14:creationId xmlns:p14="http://schemas.microsoft.com/office/powerpoint/2010/main" val="694534933"/>
+      </p:ext>
+    </p:extLst>
+  </p:cSld>
+  <p:clrMapOvr>
+    <a:overrideClrMapping bg1="dk1" tx1="lt1" bg2="dk2" tx2="lt2" accent1="accent1" accent2="accent2" accent3="accent3" accent4="accent4" accent5="accent5" accent6="accent6" hlink="hlink" folHlink="folHlink"/>
+  </p:clrMapOvr>
+</p:sld>
+</file>
+
+<file path=ppt/slides/slide9.xml><?xml version="1.0" encoding="utf-8"?>
+<p:sld xmlns:a="http://schemas.openxmlformats.org/drawingml/2006/main" xmlns:r="http://schemas.openxmlformats.org/officeDocument/2006/relationships" xmlns:p="http://schemas.openxmlformats.org/presentationml/2006/main">
+  <p:cSld>
+    <p:spTree>
+      <p:nvGrpSpPr>
+        <p:cNvPr id="1" name=""/>
+        <p:cNvGrpSpPr/>
+        <p:nvPr/>
+      </p:nvGrpSpPr>
+      <p:grpSpPr>
+        <a:xfrm>
+          <a:off x="0" y="0"/>
+          <a:ext cx="0" cy="0"/>
+          <a:chOff x="0" y="0"/>
+          <a:chExt cx="0" cy="0"/>
+        </a:xfrm>
+      </p:grpSpPr>
+      <p:pic>
+        <p:nvPicPr>
+          <p:cNvPr id="5" name="Рисунок 4"/>
+          <p:cNvPicPr>
+            <a:picLocks noChangeAspect="1"/>
+          </p:cNvPicPr>
+          <p:nvPr/>
+        </p:nvPicPr>
+        <p:blipFill>
+          <a:blip r:embed="rId2">
+            <a:extLst>
+              <a:ext uri="{28A0092B-C50C-407E-A947-70E740481C1C}">
+                <a14:useLocalDpi xmlns:a14="http://schemas.microsoft.com/office/drawing/2010/main" val="0"/>
+              </a:ext>
+            </a:extLst>
+          </a:blip>
+          <a:stretch>
+            <a:fillRect/>
+          </a:stretch>
+        </p:blipFill>
+        <p:spPr>
+          <a:xfrm>
+            <a:off x="0" y="0"/>
+            <a:ext cx="12192000" cy="6858000"/>
+          </a:xfrm>
+          <a:prstGeom prst="rect">
+            <a:avLst/>
+          </a:prstGeom>
+        </p:spPr>
+      </p:pic>
+      <p:pic>
+        <p:nvPicPr>
+          <p:cNvPr id="4" name="Рисунок 3"/>
+          <p:cNvPicPr>
+            <a:picLocks noChangeAspect="1"/>
+          </p:cNvPicPr>
+          <p:nvPr/>
+        </p:nvPicPr>
+        <p:blipFill>
+          <a:blip r:embed="rId3">
+            <a:extLst>
+              <a:ext uri="{BEBA8EAE-BF5A-486C-A8C5-ECC9F3942E4B}">
+                <a14:imgProps xmlns:a14="http://schemas.microsoft.com/office/drawing/2010/main">
+                  <a14:imgLayer r:embed="rId4">
+                    <a14:imgEffect>
+                      <a14:backgroundRemoval t="10000" b="90000" l="10000" r="90000">
+                        <a14:foregroundMark x1="54967" y1="38411" x2="54967" y2="38411"/>
+                        <a14:foregroundMark x1="68874" y1="36755" x2="68874" y2="36755"/>
+                        <a14:foregroundMark x1="54305" y1="35265" x2="71082" y2="41060"/>
+                        <a14:foregroundMark x1="66887" y1="26821" x2="62252" y2="40728"/>
+                        <a14:foregroundMark x1="56291" y1="57450" x2="65784" y2="37748"/>
+                        <a14:foregroundMark x1="50110" y1="18377" x2="59823" y2="18377"/>
+                        <a14:backgroundMark x1="65784" y1="15563" x2="81236" y2="33113"/>
+                        <a14:backgroundMark x1="64018" y1="19205" x2="67329" y2="22351"/>
+                        <a14:backgroundMark x1="42605" y1="25828" x2="48565" y2="20364"/>
+                      </a14:backgroundRemoval>
+                    </a14:imgEffect>
+                  </a14:imgLayer>
+                </a14:imgProps>
+              </a:ext>
+              <a:ext uri="{28A0092B-C50C-407E-A947-70E740481C1C}">
+                <a14:useLocalDpi xmlns:a14="http://schemas.microsoft.com/office/drawing/2010/main" val="0"/>
+              </a:ext>
+            </a:extLst>
+          </a:blip>
+          <a:stretch>
+            <a:fillRect/>
+          </a:stretch>
+        </p:blipFill>
+        <p:spPr>
+          <a:xfrm>
+            <a:off x="5843752" y="3625762"/>
+            <a:ext cx="6379779" cy="3589590"/>
+          </a:xfrm>
+          <a:prstGeom prst="rect">
+            <a:avLst/>
+          </a:prstGeom>
+        </p:spPr>
+      </p:pic>
+      <p:pic>
+        <p:nvPicPr>
+          <p:cNvPr id="7" name="Рисунок 6"/>
+          <p:cNvPicPr>
+            <a:picLocks noChangeAspect="1"/>
+          </p:cNvPicPr>
+          <p:nvPr/>
+        </p:nvPicPr>
+        <p:blipFill>
+          <a:blip r:embed="rId5">
+            <a:extLst>
+              <a:ext uri="{BEBA8EAE-BF5A-486C-A8C5-ECC9F3942E4B}">
+                <a14:imgProps xmlns:a14="http://schemas.microsoft.com/office/drawing/2010/main">
+                  <a14:imgLayer r:embed="rId6">
+                    <a14:imgEffect>
+                      <a14:backgroundRemoval t="4217" b="97139" l="1657" r="93675">
+                        <a14:foregroundMark x1="31175" y1="8283" x2="59789" y2="8886"/>
+                        <a14:foregroundMark x1="48795" y1="4217" x2="56627" y2="4970"/>
+                        <a14:foregroundMark x1="12048" y1="82681" x2="1657" y2="87500"/>
+                        <a14:foregroundMark x1="78313" y1="80873" x2="90211" y2="94428"/>
+                        <a14:foregroundMark x1="87199" y1="97139" x2="93675" y2="95181"/>
+                      </a14:backgroundRemoval>
+                    </a14:imgEffect>
+                  </a14:imgLayer>
+                </a14:imgProps>
+              </a:ext>
+              <a:ext uri="{28A0092B-C50C-407E-A947-70E740481C1C}">
+                <a14:useLocalDpi xmlns:a14="http://schemas.microsoft.com/office/drawing/2010/main" val="0"/>
+              </a:ext>
+            </a:extLst>
+          </a:blip>
+          <a:stretch>
+            <a:fillRect/>
+          </a:stretch>
+        </p:blipFill>
+        <p:spPr>
+          <a:xfrm flipH="1">
+            <a:off x="5580993" y="3302876"/>
+            <a:ext cx="2385849" cy="2321472"/>
+          </a:xfrm>
+          <a:prstGeom prst="rect">
+            <a:avLst/>
+          </a:prstGeom>
+        </p:spPr>
+      </p:pic>
+    </p:spTree>
+    <p:extLst>
+      <p:ext uri="{BB962C8B-B14F-4D97-AF65-F5344CB8AC3E}">
+        <p14:creationId xmlns:p14="http://schemas.microsoft.com/office/powerpoint/2010/main" val="3482231989"/>
       </p:ext>
     </p:extLst>
   </p:cSld>
@@ -6172,4 +7316,133 @@
     </a:ext>
   </a:extLst>
 </a:theme>
+</file>
+
+<file path=ppt/theme/themeOverride1.xml><?xml version="1.0" encoding="utf-8"?>
+<a:themeOverride xmlns:a="http://schemas.openxmlformats.org/drawingml/2006/main">
+  <a:clrScheme name="Синий">
+    <a:dk1>
+      <a:sysClr val="windowText" lastClr="000000"/>
+    </a:dk1>
+    <a:lt1>
+      <a:sysClr val="window" lastClr="FFFFFF"/>
+    </a:lt1>
+    <a:dk2>
+      <a:srgbClr val="17406D"/>
+    </a:dk2>
+    <a:lt2>
+      <a:srgbClr val="DBEFF9"/>
+    </a:lt2>
+    <a:accent1>
+      <a:srgbClr val="0F6FC6"/>
+    </a:accent1>
+    <a:accent2>
+      <a:srgbClr val="009DD9"/>
+    </a:accent2>
+    <a:accent3>
+      <a:srgbClr val="0BD0D9"/>
+    </a:accent3>
+    <a:accent4>
+      <a:srgbClr val="10CF9B"/>
+    </a:accent4>
+    <a:accent5>
+      <a:srgbClr val="7CCA62"/>
+    </a:accent5>
+    <a:accent6>
+      <a:srgbClr val="A5C249"/>
+    </a:accent6>
+    <a:hlink>
+      <a:srgbClr val="F49100"/>
+    </a:hlink>
+    <a:folHlink>
+      <a:srgbClr val="85DFD0"/>
+    </a:folHlink>
+  </a:clrScheme>
+</a:themeOverride>
+</file>
+
+<file path=ppt/theme/themeOverride2.xml><?xml version="1.0" encoding="utf-8"?>
+<a:themeOverride xmlns:a="http://schemas.openxmlformats.org/drawingml/2006/main">
+  <a:clrScheme name="Синий">
+    <a:dk1>
+      <a:sysClr val="windowText" lastClr="000000"/>
+    </a:dk1>
+    <a:lt1>
+      <a:sysClr val="window" lastClr="FFFFFF"/>
+    </a:lt1>
+    <a:dk2>
+      <a:srgbClr val="17406D"/>
+    </a:dk2>
+    <a:lt2>
+      <a:srgbClr val="DBEFF9"/>
+    </a:lt2>
+    <a:accent1>
+      <a:srgbClr val="0F6FC6"/>
+    </a:accent1>
+    <a:accent2>
+      <a:srgbClr val="009DD9"/>
+    </a:accent2>
+    <a:accent3>
+      <a:srgbClr val="0BD0D9"/>
+    </a:accent3>
+    <a:accent4>
+      <a:srgbClr val="10CF9B"/>
+    </a:accent4>
+    <a:accent5>
+      <a:srgbClr val="7CCA62"/>
+    </a:accent5>
+    <a:accent6>
+      <a:srgbClr val="A5C249"/>
+    </a:accent6>
+    <a:hlink>
+      <a:srgbClr val="F49100"/>
+    </a:hlink>
+    <a:folHlink>
+      <a:srgbClr val="85DFD0"/>
+    </a:folHlink>
+  </a:clrScheme>
+</a:themeOverride>
+</file>
+
+<file path=ppt/theme/themeOverride3.xml><?xml version="1.0" encoding="utf-8"?>
+<a:themeOverride xmlns:a="http://schemas.openxmlformats.org/drawingml/2006/main">
+  <a:clrScheme name="Синий">
+    <a:dk1>
+      <a:sysClr val="windowText" lastClr="000000"/>
+    </a:dk1>
+    <a:lt1>
+      <a:sysClr val="window" lastClr="FFFFFF"/>
+    </a:lt1>
+    <a:dk2>
+      <a:srgbClr val="17406D"/>
+    </a:dk2>
+    <a:lt2>
+      <a:srgbClr val="DBEFF9"/>
+    </a:lt2>
+    <a:accent1>
+      <a:srgbClr val="0F6FC6"/>
+    </a:accent1>
+    <a:accent2>
+      <a:srgbClr val="009DD9"/>
+    </a:accent2>
+    <a:accent3>
+      <a:srgbClr val="0BD0D9"/>
+    </a:accent3>
+    <a:accent4>
+      <a:srgbClr val="10CF9B"/>
+    </a:accent4>
+    <a:accent5>
+      <a:srgbClr val="7CCA62"/>
+    </a:accent5>
+    <a:accent6>
+      <a:srgbClr val="A5C249"/>
+    </a:accent6>
+    <a:hlink>
+      <a:srgbClr val="F49100"/>
+    </a:hlink>
+    <a:folHlink>
+      <a:srgbClr val="85DFD0"/>
+    </a:folHlink>
+  </a:clrScheme>
+</a:themeOverride>
 </file>
--- a/Presentation/Проект PyGame.pptx
+++ b/Presentation/Проект PyGame.pptx
@@ -306,7 +306,7 @@
             <a:fld id="{08B9EBBA-996F-894A-B54A-D6246ED52CEA}" type="datetimeFigureOut">
               <a:rPr lang="en-US" smtClean="0"/>
               <a:pPr/>
-              <a:t>1/12/2022</a:t>
+              <a:t>1/17/2022</a:t>
             </a:fld>
             <a:endParaRPr lang="en-US" dirty="0"/>
           </a:p>
@@ -744,7 +744,7 @@
             <a:fld id="{09B482E8-6E0E-1B4F-B1FD-C69DB9E858D9}" type="datetimeFigureOut">
               <a:rPr lang="en-US" smtClean="0"/>
               <a:pPr/>
-              <a:t>1/12/2022</a:t>
+              <a:t>1/17/2022</a:t>
             </a:fld>
             <a:endParaRPr lang="en-US" dirty="0"/>
           </a:p>
@@ -997,7 +997,7 @@
             <a:fld id="{09B482E8-6E0E-1B4F-B1FD-C69DB9E858D9}" type="datetimeFigureOut">
               <a:rPr lang="en-US" smtClean="0"/>
               <a:pPr/>
-              <a:t>1/12/2022</a:t>
+              <a:t>1/17/2022</a:t>
             </a:fld>
             <a:endParaRPr lang="en-US" dirty="0"/>
           </a:p>
@@ -1308,7 +1308,7 @@
             <a:fld id="{09B482E8-6E0E-1B4F-B1FD-C69DB9E858D9}" type="datetimeFigureOut">
               <a:rPr lang="en-US" smtClean="0"/>
               <a:pPr/>
-              <a:t>1/12/2022</a:t>
+              <a:t>1/17/2022</a:t>
             </a:fld>
             <a:endParaRPr lang="en-US" dirty="0"/>
           </a:p>
@@ -1629,7 +1629,7 @@
             <a:fld id="{09B482E8-6E0E-1B4F-B1FD-C69DB9E858D9}" type="datetimeFigureOut">
               <a:rPr lang="en-US" smtClean="0"/>
               <a:pPr/>
-              <a:t>1/12/2022</a:t>
+              <a:t>1/17/2022</a:t>
             </a:fld>
             <a:endParaRPr lang="en-US" dirty="0"/>
           </a:p>
@@ -1934,7 +1934,7 @@
             <a:fld id="{09B482E8-6E0E-1B4F-B1FD-C69DB9E858D9}" type="datetimeFigureOut">
               <a:rPr lang="en-US" smtClean="0"/>
               <a:pPr/>
-              <a:t>1/12/2022</a:t>
+              <a:t>1/17/2022</a:t>
             </a:fld>
             <a:endParaRPr lang="en-US" dirty="0"/>
           </a:p>
@@ -2304,7 +2304,7 @@
             <a:fld id="{09B482E8-6E0E-1B4F-B1FD-C69DB9E858D9}" type="datetimeFigureOut">
               <a:rPr lang="en-US" smtClean="0"/>
               <a:pPr/>
-              <a:t>1/12/2022</a:t>
+              <a:t>1/17/2022</a:t>
             </a:fld>
             <a:endParaRPr lang="en-US" dirty="0"/>
           </a:p>
@@ -2481,7 +2481,7 @@
             <a:fld id="{C6C52C72-DE31-F449-A4ED-4C594FD91407}" type="datetimeFigureOut">
               <a:rPr lang="en-US" smtClean="0"/>
               <a:pPr/>
-              <a:t>1/12/2022</a:t>
+              <a:t>1/17/2022</a:t>
             </a:fld>
             <a:endParaRPr lang="en-US" dirty="0"/>
           </a:p>
@@ -2663,7 +2663,7 @@
             <a:fld id="{ED62726E-379B-B349-9EED-81ED093FA806}" type="datetimeFigureOut">
               <a:rPr lang="en-US" smtClean="0"/>
               <a:pPr/>
-              <a:t>1/12/2022</a:t>
+              <a:t>1/17/2022</a:t>
             </a:fld>
             <a:endParaRPr lang="en-US" dirty="0"/>
           </a:p>
@@ -2835,7 +2835,7 @@
             <a:fld id="{9B3A1323-8D79-1946-B0D7-40001CF92E9D}" type="datetimeFigureOut">
               <a:rPr lang="en-US" smtClean="0"/>
               <a:pPr/>
-              <a:t>1/12/2022</a:t>
+              <a:t>1/17/2022</a:t>
             </a:fld>
             <a:endParaRPr lang="en-US" dirty="0"/>
           </a:p>
@@ -3087,7 +3087,7 @@
             <a:fld id="{8DFA1846-DA80-1C48-A609-854EA85C59AD}" type="datetimeFigureOut">
               <a:rPr lang="en-US" smtClean="0"/>
               <a:pPr/>
-              <a:t>1/12/2022</a:t>
+              <a:t>1/17/2022</a:t>
             </a:fld>
             <a:endParaRPr lang="en-US" dirty="0"/>
           </a:p>
@@ -3325,7 +3325,7 @@
             <a:fld id="{57302355-E14B-8545-A8F8-0FE83CC9D524}" type="datetimeFigureOut">
               <a:rPr lang="en-US" smtClean="0"/>
               <a:pPr/>
-              <a:t>1/12/2022</a:t>
+              <a:t>1/17/2022</a:t>
             </a:fld>
             <a:endParaRPr lang="en-US" dirty="0"/>
           </a:p>
@@ -3709,7 +3709,7 @@
             <a:fld id="{02640F58-564D-2B4F-AE67-E407BA4FCF45}" type="datetimeFigureOut">
               <a:rPr lang="en-US" smtClean="0"/>
               <a:pPr/>
-              <a:t>1/12/2022</a:t>
+              <a:t>1/17/2022</a:t>
             </a:fld>
             <a:endParaRPr lang="en-US" dirty="0"/>
           </a:p>
@@ -3829,7 +3829,7 @@
             <a:fld id="{F13A34C8-038E-2045-AF43-DF7DBB8E0E9E}" type="datetimeFigureOut">
               <a:rPr lang="en-US" smtClean="0"/>
               <a:pPr/>
-              <a:t>1/12/2022</a:t>
+              <a:t>1/17/2022</a:t>
             </a:fld>
             <a:endParaRPr lang="en-US" dirty="0"/>
           </a:p>
@@ -3926,7 +3926,7 @@
             <a:fld id="{8818C68F-D26B-8F47-958C-23B49CF8A634}" type="datetimeFigureOut">
               <a:rPr lang="en-US" smtClean="0"/>
               <a:pPr/>
-              <a:t>1/12/2022</a:t>
+              <a:t>1/17/2022</a:t>
             </a:fld>
             <a:endParaRPr lang="en-US" dirty="0"/>
           </a:p>
@@ -4183,7 +4183,7 @@
             <a:fld id="{D0DF5E60-9974-AC48-9591-99C2BB44B7CF}" type="datetimeFigureOut">
               <a:rPr lang="en-US" smtClean="0"/>
               <a:pPr/>
-              <a:t>1/12/2022</a:t>
+              <a:t>1/17/2022</a:t>
             </a:fld>
             <a:endParaRPr lang="en-US" dirty="0"/>
           </a:p>
@@ -4468,7 +4468,7 @@
             <a:fld id="{09B482E8-6E0E-1B4F-B1FD-C69DB9E858D9}" type="datetimeFigureOut">
               <a:rPr lang="en-US" smtClean="0"/>
               <a:pPr/>
-              <a:t>1/12/2022</a:t>
+              <a:t>1/17/2022</a:t>
             </a:fld>
             <a:endParaRPr lang="en-US" dirty="0"/>
           </a:p>
@@ -4877,7 +4877,7 @@
             <a:fld id="{09B482E8-6E0E-1B4F-B1FD-C69DB9E858D9}" type="datetimeFigureOut">
               <a:rPr lang="en-US" smtClean="0"/>
               <a:pPr/>
-              <a:t>1/12/2022</a:t>
+              <a:t>1/17/2022</a:t>
             </a:fld>
             <a:endParaRPr lang="en-US" dirty="0"/>
           </a:p>
@@ -5455,6 +5455,14 @@
               </a:rPr>
               <a:t>Game</a:t>
             </a:r>
+            <a:r>
+              <a:rPr lang="ru-RU" dirty="0">
+                <a:solidFill>
+                  <a:schemeClr val="tx1"/>
+                </a:solidFill>
+              </a:rPr>
+              <a:t/>
+            </a:r>
             <a:br>
               <a:rPr lang="ru-RU" dirty="0">
                 <a:solidFill>
@@ -5555,7 +5563,7 @@
               <a:t>Марченко Александр, более известный как </a:t>
             </a:r>
             <a:r>
-              <a:rPr lang="en-US" sz="2500" dirty="0">
+              <a:rPr lang="en-US" sz="2500" smtClean="0">
                 <a:solidFill>
                   <a:schemeClr val="accent4">
                     <a:lumMod val="60000"/>
@@ -5563,7 +5571,7 @@
                   </a:schemeClr>
                 </a:solidFill>
               </a:rPr>
-              <a:t>mav735</a:t>
+              <a:t>mav735 </a:t>
             </a:r>
             <a:endParaRPr lang="ru-RU" sz="2500" dirty="0">
               <a:solidFill>

--- a/Presentation/Проект PyGame.pptx
+++ b/Presentation/Проект PyGame.pptx
@@ -7,7 +7,13 @@
   <p:sldIdLst>
     <p:sldId id="256" r:id="rId2"/>
     <p:sldId id="257" r:id="rId3"/>
-    <p:sldId id="258" r:id="rId4"/>
+    <p:sldId id="259" r:id="rId4"/>
+    <p:sldId id="258" r:id="rId5"/>
+    <p:sldId id="260" r:id="rId6"/>
+    <p:sldId id="261" r:id="rId7"/>
+    <p:sldId id="262" r:id="rId8"/>
+    <p:sldId id="263" r:id="rId9"/>
+    <p:sldId id="264" r:id="rId10"/>
   </p:sldIdLst>
   <p:sldSz cx="12192000" cy="6858000"/>
   <p:notesSz cx="6858000" cy="9144000"/>
@@ -5445,10 +5451,18 @@
                   <a:srgbClr val="00B0F0"/>
                 </a:solidFill>
               </a:rPr>
-              <a:t> Py</a:t>
-            </a:r>
-            <a:r>
-              <a:rPr lang="en-US" dirty="0">
+              <a:t> </a:t>
+            </a:r>
+            <a:r>
+              <a:rPr lang="en-US" dirty="0" err="1">
+                <a:solidFill>
+                  <a:srgbClr val="00B0F0"/>
+                </a:solidFill>
+              </a:rPr>
+              <a:t>Py</a:t>
+            </a:r>
+            <a:r>
+              <a:rPr lang="en-US" dirty="0" err="1">
                 <a:solidFill>
                   <a:srgbClr val="0070C0"/>
                 </a:solidFill>
@@ -5505,7 +5519,7 @@
         <p:spPr>
           <a:xfrm>
             <a:off x="684211" y="3843867"/>
-            <a:ext cx="9477555" cy="1947333"/>
+            <a:ext cx="10658044" cy="1947333"/>
           </a:xfrm>
         </p:spPr>
         <p:txBody>
@@ -5536,10 +5550,10 @@
                   </a:schemeClr>
                 </a:solidFill>
               </a:rPr>
-              <a:t>Булдаков Арсений, подпольная кличка </a:t>
-            </a:r>
-            <a:r>
-              <a:rPr lang="en-US" sz="2500" dirty="0">
+              <a:t>Булдаков Арсений, </a:t>
+            </a:r>
+            <a:r>
+              <a:rPr lang="ru-RU" sz="2500" dirty="0" smtClean="0">
                 <a:solidFill>
                   <a:schemeClr val="accent4">
                     <a:lumMod val="60000"/>
@@ -5547,12 +5561,10 @@
                   </a:schemeClr>
                 </a:solidFill>
               </a:rPr>
-              <a:t>Ceber-Zhaba</a:t>
-            </a:r>
-          </a:p>
-          <a:p>
-            <a:r>
-              <a:rPr lang="ru-RU" sz="2500" dirty="0">
+              <a:t>в сети более известен как </a:t>
+            </a:r>
+            <a:r>
+              <a:rPr lang="en-US" sz="2500" dirty="0" smtClean="0">
                 <a:solidFill>
                   <a:schemeClr val="accent4">
                     <a:lumMod val="60000"/>
@@ -5560,10 +5572,20 @@
                   </a:schemeClr>
                 </a:solidFill>
               </a:rPr>
-              <a:t>Марченко Александр, более известный как </a:t>
-            </a:r>
-            <a:r>
-              <a:rPr lang="en-US" sz="2500" smtClean="0">
+              <a:t>Ceber-Zhaba</a:t>
+            </a:r>
+            <a:endParaRPr lang="en-US" sz="2500" dirty="0">
+              <a:solidFill>
+                <a:schemeClr val="accent4">
+                  <a:lumMod val="60000"/>
+                  <a:lumOff val="40000"/>
+                </a:schemeClr>
+              </a:solidFill>
+            </a:endParaRPr>
+          </a:p>
+          <a:p>
+            <a:r>
+              <a:rPr lang="ru-RU" sz="2500" dirty="0">
                 <a:solidFill>
                   <a:schemeClr val="accent4">
                     <a:lumMod val="60000"/>
@@ -5571,7 +5593,29 @@
                   </a:schemeClr>
                 </a:solidFill>
               </a:rPr>
-              <a:t>mav735 </a:t>
+              <a:t>Марченко Александр, </a:t>
+            </a:r>
+            <a:r>
+              <a:rPr lang="ru-RU" sz="2500" dirty="0" smtClean="0">
+                <a:solidFill>
+                  <a:schemeClr val="accent4">
+                    <a:lumMod val="60000"/>
+                    <a:lumOff val="40000"/>
+                  </a:schemeClr>
+                </a:solidFill>
+              </a:rPr>
+              <a:t>подпольная кличка </a:t>
+            </a:r>
+            <a:r>
+              <a:rPr lang="en-US" sz="2500" dirty="0" smtClean="0">
+                <a:solidFill>
+                  <a:schemeClr val="accent4">
+                    <a:lumMod val="60000"/>
+                    <a:lumOff val="40000"/>
+                  </a:schemeClr>
+                </a:solidFill>
+              </a:rPr>
+              <a:t>mav735</a:t>
             </a:r>
             <a:endParaRPr lang="ru-RU" sz="2500" dirty="0">
               <a:solidFill>
@@ -5676,7 +5720,29 @@
                   </a:schemeClr>
                 </a:solidFill>
               </a:rPr>
-              <a:t>Главная цель игры – заработать как можно больше очков и пройти как можно больше уровней</a:t>
+              <a:t>Главная цель игры – заработать как можно больше </a:t>
+            </a:r>
+            <a:r>
+              <a:rPr lang="ru-RU" dirty="0" smtClean="0">
+                <a:solidFill>
+                  <a:schemeClr val="accent2">
+                    <a:lumMod val="60000"/>
+                    <a:lumOff val="40000"/>
+                  </a:schemeClr>
+                </a:solidFill>
+              </a:rPr>
+              <a:t>монеток и </a:t>
+            </a:r>
+            <a:r>
+              <a:rPr lang="ru-RU" dirty="0">
+                <a:solidFill>
+                  <a:schemeClr val="accent2">
+                    <a:lumMod val="60000"/>
+                    <a:lumOff val="40000"/>
+                  </a:schemeClr>
+                </a:solidFill>
+              </a:rPr>
+              <a:t>пройти как можно больше уровней</a:t>
             </a:r>
           </a:p>
         </p:txBody>
@@ -5725,6 +5791,11 @@
 <file path=ppt/slides/slide3.xml><?xml version="1.0" encoding="utf-8"?>
 <p:sld xmlns:a="http://schemas.openxmlformats.org/drawingml/2006/main" xmlns:r="http://schemas.openxmlformats.org/officeDocument/2006/relationships" xmlns:p="http://schemas.openxmlformats.org/presentationml/2006/main">
   <p:cSld>
+    <p:bg>
+      <p:bgRef idx="1002">
+        <a:schemeClr val="bg2"/>
+      </p:bgRef>
+    </p:bg>
     <p:spTree>
       <p:nvGrpSpPr>
         <p:cNvPr id="1" name=""/>
@@ -5741,6 +5812,118 @@
       </p:grpSpPr>
       <p:sp>
         <p:nvSpPr>
+          <p:cNvPr id="2" name="Заголовок 1"/>
+          <p:cNvSpPr>
+            <a:spLocks noGrp="1"/>
+          </p:cNvSpPr>
+          <p:nvPr>
+            <p:ph type="title"/>
+          </p:nvPr>
+        </p:nvSpPr>
+        <p:spPr/>
+        <p:txBody>
+          <a:bodyPr>
+            <a:normAutofit/>
+          </a:bodyPr>
+          <a:lstStyle/>
+          <a:p>
+            <a:r>
+              <a:rPr lang="ru-RU" dirty="0">
+                <a:solidFill>
+                  <a:schemeClr val="accent2">
+                    <a:lumMod val="60000"/>
+                    <a:lumOff val="40000"/>
+                  </a:schemeClr>
+                </a:solidFill>
+              </a:rPr>
+              <a:t>Как играть?</a:t>
+            </a:r>
+            <a:endParaRPr lang="ru-RU" dirty="0">
+              <a:solidFill>
+                <a:schemeClr val="accent2">
+                  <a:lumMod val="60000"/>
+                  <a:lumOff val="40000"/>
+                </a:schemeClr>
+              </a:solidFill>
+            </a:endParaRPr>
+          </a:p>
+        </p:txBody>
+      </p:sp>
+      <p:sp>
+        <p:nvSpPr>
+          <p:cNvPr id="3" name="Текст 2"/>
+          <p:cNvSpPr>
+            <a:spLocks noGrp="1"/>
+          </p:cNvSpPr>
+          <p:nvPr>
+            <p:ph type="body" idx="1"/>
+          </p:nvPr>
+        </p:nvSpPr>
+        <p:spPr>
+          <a:xfrm>
+            <a:off x="684211" y="3509818"/>
+            <a:ext cx="11018261" cy="2484582"/>
+          </a:xfrm>
+        </p:spPr>
+        <p:txBody>
+          <a:bodyPr>
+            <a:normAutofit/>
+          </a:bodyPr>
+          <a:lstStyle/>
+          <a:p>
+            <a:r>
+              <a:rPr lang="ru-RU" dirty="0"/>
+              <a:t>В меню надо нажать кнопку [</a:t>
+            </a:r>
+            <a:r>
+              <a:rPr lang="en-US" dirty="0"/>
+              <a:t>Play</a:t>
+            </a:r>
+            <a:r>
+              <a:rPr lang="ru-RU" dirty="0"/>
+              <a:t>], после этого персонаж попадает на карту, населённую враждебными сущностями. Также на карте находится Монолит, который позволяет игроку перейти на следующий уровень. Координаты Монолита, как и игрока определяются случайно. После того, как вы подойдёте к монолиту вас перекинет в магазин, где вы сможете купить способности в обмен на монетки, которые вы получаете за убийства врагов.</a:t>
+            </a:r>
+            <a:endParaRPr lang="ru-RU" dirty="0"/>
+          </a:p>
+        </p:txBody>
+      </p:sp>
+    </p:spTree>
+    <p:extLst>
+      <p:ext uri="{BB962C8B-B14F-4D97-AF65-F5344CB8AC3E}">
+        <p14:creationId xmlns:p14="http://schemas.microsoft.com/office/powerpoint/2010/main" val="2145251393"/>
+      </p:ext>
+    </p:extLst>
+  </p:cSld>
+  <p:clrMapOvr>
+    <a:overrideClrMapping bg1="dk1" tx1="lt1" bg2="dk2" tx2="lt2" accent1="accent1" accent2="accent2" accent3="accent3" accent4="accent4" accent5="accent5" accent6="accent6" hlink="hlink" folHlink="folHlink"/>
+  </p:clrMapOvr>
+</p:sld>
+</file>
+
+<file path=ppt/slides/slide4.xml><?xml version="1.0" encoding="utf-8"?>
+<p:sld xmlns:a="http://schemas.openxmlformats.org/drawingml/2006/main" xmlns:r="http://schemas.openxmlformats.org/officeDocument/2006/relationships" xmlns:p="http://schemas.openxmlformats.org/presentationml/2006/main">
+  <p:cSld>
+    <p:bg>
+      <p:bgRef idx="1002">
+        <a:schemeClr val="bg2"/>
+      </p:bgRef>
+    </p:bg>
+    <p:spTree>
+      <p:nvGrpSpPr>
+        <p:cNvPr id="1" name=""/>
+        <p:cNvGrpSpPr/>
+        <p:nvPr/>
+      </p:nvGrpSpPr>
+      <p:grpSpPr>
+        <a:xfrm>
+          <a:off x="0" y="0"/>
+          <a:ext cx="0" cy="0"/>
+          <a:chOff x="0" y="0"/>
+          <a:chExt cx="0" cy="0"/>
+        </a:xfrm>
+      </p:grpSpPr>
+      <p:sp>
+        <p:nvSpPr>
           <p:cNvPr id="2" name="Заголовок 1">
             <a:extLst>
               <a:ext uri="{FF2B5EF4-FFF2-40B4-BE49-F238E27FC236}">
@@ -5809,16 +5992,21 @@
           <a:p>
             <a:r>
               <a:rPr lang="ru-RU" sz="2400" dirty="0"/>
-              <a:t>Перемещение		Атака </a:t>
-            </a:r>
-            <a:r>
-              <a:rPr lang="en-US" sz="2400" dirty="0"/>
+              <a:t>Перемещение		</a:t>
+            </a:r>
+            <a:r>
+              <a:rPr lang="ru-RU" sz="2400" dirty="0" smtClean="0"/>
+              <a:t>Атака </a:t>
+            </a:r>
+            <a:r>
+              <a:rPr lang="en-US" sz="2400" dirty="0" smtClean="0"/>
               <a:t>		</a:t>
             </a:r>
             <a:r>
-              <a:rPr lang="ru-RU" sz="2400" dirty="0"/>
-              <a:t>Изменение масштаба</a:t>
-            </a:r>
+              <a:rPr lang="ru-RU" sz="2400" dirty="0" smtClean="0"/>
+              <a:t>			Читы</a:t>
+            </a:r>
+            <a:endParaRPr lang="ru-RU" sz="2400" dirty="0"/>
           </a:p>
           <a:p>
             <a:r>
@@ -5838,25 +6026,14 @@
               <a:t>ПКМ</a:t>
             </a:r>
             <a:r>
-              <a:rPr lang="en-US" sz="2400" dirty="0"/>
-              <a:t>]		 [</a:t>
-            </a:r>
-            <a:r>
-              <a:rPr lang="ru-RU" sz="2400" dirty="0"/>
-              <a:t>↕</a:t>
-            </a:r>
-            <a:r>
-              <a:rPr lang="en-US" sz="2400" dirty="0"/>
-              <a:t> </a:t>
-            </a:r>
-            <a:r>
-              <a:rPr lang="ru-RU" sz="2400" dirty="0"/>
-              <a:t>колёсико мыши</a:t>
-            </a:r>
-            <a:r>
-              <a:rPr lang="en-US" sz="2400" dirty="0"/>
+              <a:rPr lang="en-US" sz="2400" dirty="0" smtClean="0"/>
               <a:t>]</a:t>
             </a:r>
+            <a:r>
+              <a:rPr lang="ru-RU" sz="2400" dirty="0" smtClean="0"/>
+              <a:t>		Спросить у разработчиков</a:t>
+            </a:r>
+            <a:endParaRPr lang="en-US" sz="2400" dirty="0"/>
           </a:p>
           <a:p>
             <a:r>
@@ -5897,6 +6074,965 @@
     <p:extLst>
       <p:ext uri="{BB962C8B-B14F-4D97-AF65-F5344CB8AC3E}">
         <p14:creationId xmlns:p14="http://schemas.microsoft.com/office/powerpoint/2010/main" val="3129783581"/>
+      </p:ext>
+    </p:extLst>
+  </p:cSld>
+  <p:clrMapOvr>
+    <a:overrideClrMapping bg1="dk1" tx1="lt1" bg2="dk2" tx2="lt2" accent1="accent1" accent2="accent2" accent3="accent3" accent4="accent4" accent5="accent5" accent6="accent6" hlink="hlink" folHlink="folHlink"/>
+  </p:clrMapOvr>
+</p:sld>
+</file>
+
+<file path=ppt/slides/slide5.xml><?xml version="1.0" encoding="utf-8"?>
+<p:sld xmlns:a="http://schemas.openxmlformats.org/drawingml/2006/main" xmlns:r="http://schemas.openxmlformats.org/officeDocument/2006/relationships" xmlns:p="http://schemas.openxmlformats.org/presentationml/2006/main">
+  <p:cSld>
+    <p:spTree>
+      <p:nvGrpSpPr>
+        <p:cNvPr id="1" name=""/>
+        <p:cNvGrpSpPr/>
+        <p:nvPr/>
+      </p:nvGrpSpPr>
+      <p:grpSpPr>
+        <a:xfrm>
+          <a:off x="0" y="0"/>
+          <a:ext cx="0" cy="0"/>
+          <a:chOff x="0" y="0"/>
+          <a:chExt cx="0" cy="0"/>
+        </a:xfrm>
+      </p:grpSpPr>
+      <p:sp>
+        <p:nvSpPr>
+          <p:cNvPr id="2" name="Заголовок 1"/>
+          <p:cNvSpPr>
+            <a:spLocks noGrp="1"/>
+          </p:cNvSpPr>
+          <p:nvPr>
+            <p:ph type="title"/>
+          </p:nvPr>
+        </p:nvSpPr>
+        <p:spPr/>
+        <p:txBody>
+          <a:bodyPr>
+            <a:normAutofit/>
+          </a:bodyPr>
+          <a:lstStyle/>
+          <a:p>
+            <a:r>
+              <a:rPr lang="ru-RU" dirty="0">
+                <a:solidFill>
+                  <a:schemeClr val="accent2">
+                    <a:lumMod val="60000"/>
+                    <a:lumOff val="40000"/>
+                  </a:schemeClr>
+                </a:solidFill>
+              </a:rPr>
+              <a:t>Характеристики персонажа</a:t>
+            </a:r>
+            <a:br>
+              <a:rPr lang="ru-RU" dirty="0">
+                <a:solidFill>
+                  <a:schemeClr val="accent2">
+                    <a:lumMod val="60000"/>
+                    <a:lumOff val="40000"/>
+                  </a:schemeClr>
+                </a:solidFill>
+              </a:rPr>
+            </a:br>
+            <a:endParaRPr lang="ru-RU" dirty="0">
+              <a:solidFill>
+                <a:schemeClr val="accent2">
+                  <a:lumMod val="60000"/>
+                  <a:lumOff val="40000"/>
+                </a:schemeClr>
+              </a:solidFill>
+            </a:endParaRPr>
+          </a:p>
+        </p:txBody>
+      </p:sp>
+      <p:sp>
+        <p:nvSpPr>
+          <p:cNvPr id="3" name="Текст 2"/>
+          <p:cNvSpPr>
+            <a:spLocks noGrp="1"/>
+          </p:cNvSpPr>
+          <p:nvPr>
+            <p:ph type="body" idx="1"/>
+          </p:nvPr>
+        </p:nvSpPr>
+        <p:spPr>
+          <a:xfrm>
+            <a:off x="684211" y="3500582"/>
+            <a:ext cx="10981315" cy="2493818"/>
+          </a:xfrm>
+        </p:spPr>
+        <p:txBody>
+          <a:bodyPr>
+            <a:normAutofit/>
+          </a:bodyPr>
+          <a:lstStyle/>
+          <a:p>
+            <a:pPr lvl="0"/>
+            <a:r>
+              <a:rPr lang="en-US" dirty="0"/>
+              <a:t>Strength</a:t>
+            </a:r>
+            <a:r>
+              <a:rPr lang="ru-RU" dirty="0"/>
+              <a:t> – урон наносимый персонажем по противнику</a:t>
+            </a:r>
+          </a:p>
+          <a:p>
+            <a:pPr lvl="0"/>
+            <a:r>
+              <a:rPr lang="en-US" dirty="0"/>
+              <a:t>Speed</a:t>
+            </a:r>
+            <a:r>
+              <a:rPr lang="ru-RU" dirty="0"/>
+              <a:t> – скорость передвижения игрока по карте</a:t>
+            </a:r>
+          </a:p>
+          <a:p>
+            <a:pPr lvl="0"/>
+            <a:r>
+              <a:rPr lang="en-US" dirty="0"/>
+              <a:t>Health</a:t>
+            </a:r>
+            <a:r>
+              <a:rPr lang="ru-RU" dirty="0"/>
+              <a:t> – максимальное здоровье персонажа</a:t>
+            </a:r>
+          </a:p>
+          <a:p>
+            <a:pPr lvl="0"/>
+            <a:r>
+              <a:rPr lang="en-US" dirty="0"/>
+              <a:t>Regeneration</a:t>
+            </a:r>
+            <a:r>
+              <a:rPr lang="ru-RU" dirty="0"/>
+              <a:t> – регенерация (восстановление некоторого количества здоровья за определённый период) </a:t>
+            </a:r>
+          </a:p>
+          <a:p>
+            <a:endParaRPr lang="ru-RU" dirty="0"/>
+          </a:p>
+        </p:txBody>
+      </p:sp>
+    </p:spTree>
+    <p:extLst>
+      <p:ext uri="{BB962C8B-B14F-4D97-AF65-F5344CB8AC3E}">
+        <p14:creationId xmlns:p14="http://schemas.microsoft.com/office/powerpoint/2010/main" val="4214709716"/>
+      </p:ext>
+    </p:extLst>
+  </p:cSld>
+  <p:clrMapOvr>
+    <a:masterClrMapping/>
+  </p:clrMapOvr>
+</p:sld>
+</file>
+
+<file path=ppt/slides/slide6.xml><?xml version="1.0" encoding="utf-8"?>
+<p:sld xmlns:a="http://schemas.openxmlformats.org/drawingml/2006/main" xmlns:r="http://schemas.openxmlformats.org/officeDocument/2006/relationships" xmlns:p="http://schemas.openxmlformats.org/presentationml/2006/main">
+  <p:cSld>
+    <p:spTree>
+      <p:nvGrpSpPr>
+        <p:cNvPr id="1" name=""/>
+        <p:cNvGrpSpPr/>
+        <p:nvPr/>
+      </p:nvGrpSpPr>
+      <p:grpSpPr>
+        <a:xfrm>
+          <a:off x="0" y="0"/>
+          <a:ext cx="0" cy="0"/>
+          <a:chOff x="0" y="0"/>
+          <a:chExt cx="0" cy="0"/>
+        </a:xfrm>
+      </p:grpSpPr>
+      <p:sp>
+        <p:nvSpPr>
+          <p:cNvPr id="2" name="Заголовок 1"/>
+          <p:cNvSpPr>
+            <a:spLocks noGrp="1"/>
+          </p:cNvSpPr>
+          <p:nvPr>
+            <p:ph type="title"/>
+          </p:nvPr>
+        </p:nvSpPr>
+        <p:spPr/>
+        <p:txBody>
+          <a:bodyPr>
+            <a:normAutofit/>
+          </a:bodyPr>
+          <a:lstStyle/>
+          <a:p>
+            <a:r>
+              <a:rPr lang="ru-RU" dirty="0">
+                <a:solidFill>
+                  <a:schemeClr val="accent2">
+                    <a:lumMod val="60000"/>
+                    <a:lumOff val="40000"/>
+                  </a:schemeClr>
+                </a:solidFill>
+              </a:rPr>
+              <a:t>Структурные </a:t>
+            </a:r>
+            <a:r>
+              <a:rPr lang="ru-RU" dirty="0" smtClean="0">
+                <a:solidFill>
+                  <a:schemeClr val="accent2">
+                    <a:lumMod val="60000"/>
+                    <a:lumOff val="40000"/>
+                  </a:schemeClr>
+                </a:solidFill>
+              </a:rPr>
+              <a:t>элементы</a:t>
+            </a:r>
+            <a:br>
+              <a:rPr lang="ru-RU" dirty="0" smtClean="0">
+                <a:solidFill>
+                  <a:schemeClr val="accent2">
+                    <a:lumMod val="60000"/>
+                    <a:lumOff val="40000"/>
+                  </a:schemeClr>
+                </a:solidFill>
+              </a:rPr>
+            </a:br>
+            <a:r>
+              <a:rPr lang="ru-RU" dirty="0">
+                <a:solidFill>
+                  <a:schemeClr val="accent2">
+                    <a:lumMod val="60000"/>
+                    <a:lumOff val="40000"/>
+                  </a:schemeClr>
+                </a:solidFill>
+              </a:rPr>
+              <a:t/>
+            </a:r>
+            <a:br>
+              <a:rPr lang="ru-RU" dirty="0">
+                <a:solidFill>
+                  <a:schemeClr val="accent2">
+                    <a:lumMod val="60000"/>
+                    <a:lumOff val="40000"/>
+                  </a:schemeClr>
+                </a:solidFill>
+              </a:rPr>
+            </a:br>
+            <a:r>
+              <a:rPr lang="ru-RU" dirty="0" smtClean="0">
+                <a:solidFill>
+                  <a:schemeClr val="accent2">
+                    <a:lumMod val="60000"/>
+                    <a:lumOff val="40000"/>
+                  </a:schemeClr>
+                </a:solidFill>
+              </a:rPr>
+              <a:t>Классы</a:t>
+            </a:r>
+            <a:r>
+              <a:rPr lang="ru-RU" dirty="0">
+                <a:solidFill>
+                  <a:schemeClr val="accent2">
+                    <a:lumMod val="60000"/>
+                    <a:lumOff val="40000"/>
+                  </a:schemeClr>
+                </a:solidFill>
+              </a:rPr>
+              <a:t/>
+            </a:r>
+            <a:br>
+              <a:rPr lang="ru-RU" dirty="0">
+                <a:solidFill>
+                  <a:schemeClr val="accent2">
+                    <a:lumMod val="60000"/>
+                    <a:lumOff val="40000"/>
+                  </a:schemeClr>
+                </a:solidFill>
+              </a:rPr>
+            </a:br>
+            <a:endParaRPr lang="ru-RU" dirty="0">
+              <a:solidFill>
+                <a:schemeClr val="accent2">
+                  <a:lumMod val="60000"/>
+                  <a:lumOff val="40000"/>
+                </a:schemeClr>
+              </a:solidFill>
+            </a:endParaRPr>
+          </a:p>
+        </p:txBody>
+      </p:sp>
+      <p:sp>
+        <p:nvSpPr>
+          <p:cNvPr id="3" name="Текст 2"/>
+          <p:cNvSpPr>
+            <a:spLocks noGrp="1"/>
+          </p:cNvSpPr>
+          <p:nvPr>
+            <p:ph type="body" idx="1"/>
+          </p:nvPr>
+        </p:nvSpPr>
+        <p:spPr>
+          <a:xfrm>
+            <a:off x="684212" y="2900218"/>
+            <a:ext cx="10805824" cy="3777672"/>
+          </a:xfrm>
+        </p:spPr>
+        <p:txBody>
+          <a:bodyPr>
+            <a:normAutofit/>
+          </a:bodyPr>
+          <a:lstStyle/>
+          <a:p>
+            <a:pPr lvl="1"/>
+            <a:r>
+              <a:rPr lang="en-US" sz="1700" dirty="0">
+                <a:solidFill>
+                  <a:schemeClr val="bg2">
+                    <a:lumMod val="50000"/>
+                  </a:schemeClr>
+                </a:solidFill>
+              </a:rPr>
+              <a:t>Settings</a:t>
+            </a:r>
+            <a:r>
+              <a:rPr lang="ru-RU" sz="1700" dirty="0">
+                <a:solidFill>
+                  <a:schemeClr val="bg2">
+                    <a:lumMod val="50000"/>
+                  </a:schemeClr>
+                </a:solidFill>
+              </a:rPr>
+              <a:t> – класс, который хранит настройки</a:t>
+            </a:r>
+          </a:p>
+          <a:p>
+            <a:pPr lvl="1"/>
+            <a:r>
+              <a:rPr lang="en-US" sz="1700" dirty="0">
+                <a:solidFill>
+                  <a:schemeClr val="bg2">
+                    <a:lumMod val="50000"/>
+                  </a:schemeClr>
+                </a:solidFill>
+              </a:rPr>
+              <a:t>Player</a:t>
+            </a:r>
+            <a:r>
+              <a:rPr lang="ru-RU" sz="1700" dirty="0">
+                <a:solidFill>
+                  <a:schemeClr val="bg2">
+                    <a:lumMod val="50000"/>
+                  </a:schemeClr>
+                </a:solidFill>
+              </a:rPr>
+              <a:t> – класс игрока, он хранит анимации, показатели и инвентарь.</a:t>
+            </a:r>
+          </a:p>
+          <a:p>
+            <a:pPr lvl="1"/>
+            <a:r>
+              <a:rPr lang="en-US" sz="1700" dirty="0">
+                <a:solidFill>
+                  <a:schemeClr val="bg2">
+                    <a:lumMod val="50000"/>
+                  </a:schemeClr>
+                </a:solidFill>
+              </a:rPr>
+              <a:t>Entity</a:t>
+            </a:r>
+            <a:r>
+              <a:rPr lang="ru-RU" sz="1700" dirty="0">
+                <a:solidFill>
+                  <a:schemeClr val="bg2">
+                    <a:lumMod val="50000"/>
+                  </a:schemeClr>
+                </a:solidFill>
+              </a:rPr>
+              <a:t> – класс сущностей, которые могут быть настроены враждебно и нейтрально по отношению к игроку</a:t>
+            </a:r>
+          </a:p>
+          <a:p>
+            <a:pPr lvl="1"/>
+            <a:r>
+              <a:rPr lang="ru-RU" sz="1700" dirty="0">
+                <a:solidFill>
+                  <a:schemeClr val="bg2">
+                    <a:lumMod val="50000"/>
+                  </a:schemeClr>
+                </a:solidFill>
+              </a:rPr>
+              <a:t>MapGenerator – класс, который генерирует карту</a:t>
+            </a:r>
+          </a:p>
+          <a:p>
+            <a:pPr lvl="1"/>
+            <a:r>
+              <a:rPr lang="en-US" sz="1700" dirty="0">
+                <a:solidFill>
+                  <a:schemeClr val="bg2">
+                    <a:lumMod val="50000"/>
+                  </a:schemeClr>
+                </a:solidFill>
+              </a:rPr>
+              <a:t>FpsCounter</a:t>
+            </a:r>
+            <a:r>
+              <a:rPr lang="ru-RU" sz="1700" dirty="0">
+                <a:solidFill>
+                  <a:schemeClr val="bg2">
+                    <a:lumMod val="50000"/>
+                  </a:schemeClr>
+                </a:solidFill>
+              </a:rPr>
+              <a:t> – класс отображающий количество кадров в секунду, необходим для оптимизации игры</a:t>
+            </a:r>
+          </a:p>
+          <a:p>
+            <a:pPr lvl="1"/>
+            <a:r>
+              <a:rPr lang="ru-RU" sz="1700" dirty="0">
+                <a:solidFill>
+                  <a:schemeClr val="bg2">
+                    <a:lumMod val="50000"/>
+                  </a:schemeClr>
+                </a:solidFill>
+              </a:rPr>
+              <a:t>DrawFloor – класс, который </a:t>
+            </a:r>
+            <a:r>
+              <a:rPr lang="ru-RU" sz="1700" dirty="0" smtClean="0">
+                <a:solidFill>
+                  <a:schemeClr val="bg2">
+                    <a:lumMod val="50000"/>
+                  </a:schemeClr>
+                </a:solidFill>
+              </a:rPr>
+              <a:t>отрисовывает </a:t>
+            </a:r>
+            <a:r>
+              <a:rPr lang="ru-RU" sz="1700" dirty="0">
+                <a:solidFill>
+                  <a:schemeClr val="bg2">
+                    <a:lumMod val="50000"/>
+                  </a:schemeClr>
+                </a:solidFill>
+              </a:rPr>
+              <a:t>карту</a:t>
+            </a:r>
+          </a:p>
+          <a:p>
+            <a:pPr lvl="1"/>
+            <a:r>
+              <a:rPr lang="en-US" sz="1700" dirty="0">
+                <a:solidFill>
+                  <a:schemeClr val="bg2">
+                    <a:lumMod val="50000"/>
+                  </a:schemeClr>
+                </a:solidFill>
+              </a:rPr>
+              <a:t>Menu</a:t>
+            </a:r>
+            <a:r>
+              <a:rPr lang="ru-RU" sz="1700" dirty="0">
+                <a:solidFill>
+                  <a:schemeClr val="bg2">
+                    <a:lumMod val="50000"/>
+                  </a:schemeClr>
+                </a:solidFill>
+              </a:rPr>
+              <a:t> – класс, который отвечает за меню</a:t>
+            </a:r>
+          </a:p>
+          <a:p>
+            <a:endParaRPr lang="ru-RU" sz="1700" dirty="0"/>
+          </a:p>
+        </p:txBody>
+      </p:sp>
+    </p:spTree>
+    <p:extLst>
+      <p:ext uri="{BB962C8B-B14F-4D97-AF65-F5344CB8AC3E}">
+        <p14:creationId xmlns:p14="http://schemas.microsoft.com/office/powerpoint/2010/main" val="1667874351"/>
+      </p:ext>
+    </p:extLst>
+  </p:cSld>
+  <p:clrMapOvr>
+    <a:masterClrMapping/>
+  </p:clrMapOvr>
+</p:sld>
+</file>
+
+<file path=ppt/slides/slide7.xml><?xml version="1.0" encoding="utf-8"?>
+<p:sld xmlns:a="http://schemas.openxmlformats.org/drawingml/2006/main" xmlns:r="http://schemas.openxmlformats.org/officeDocument/2006/relationships" xmlns:p="http://schemas.openxmlformats.org/presentationml/2006/main">
+  <p:cSld>
+    <p:spTree>
+      <p:nvGrpSpPr>
+        <p:cNvPr id="1" name=""/>
+        <p:cNvGrpSpPr/>
+        <p:nvPr/>
+      </p:nvGrpSpPr>
+      <p:grpSpPr>
+        <a:xfrm>
+          <a:off x="0" y="0"/>
+          <a:ext cx="0" cy="0"/>
+          <a:chOff x="0" y="0"/>
+          <a:chExt cx="0" cy="0"/>
+        </a:xfrm>
+      </p:grpSpPr>
+      <p:sp>
+        <p:nvSpPr>
+          <p:cNvPr id="2" name="Заголовок 1"/>
+          <p:cNvSpPr>
+            <a:spLocks noGrp="1"/>
+          </p:cNvSpPr>
+          <p:nvPr>
+            <p:ph type="title"/>
+          </p:nvPr>
+        </p:nvSpPr>
+        <p:spPr/>
+        <p:txBody>
+          <a:bodyPr>
+            <a:normAutofit/>
+          </a:bodyPr>
+          <a:lstStyle/>
+          <a:p>
+            <a:pPr lvl="1"/>
+            <a:r>
+              <a:rPr lang="ru-RU" sz="3200" kern="1200" cap="all" dirty="0">
+                <a:ln w="3175" cmpd="sng">
+                  <a:noFill/>
+                </a:ln>
+                <a:solidFill>
+                  <a:schemeClr val="accent2">
+                    <a:lumMod val="60000"/>
+                    <a:lumOff val="40000"/>
+                  </a:schemeClr>
+                </a:solidFill>
+                <a:latin typeface="+mj-lt"/>
+                <a:ea typeface="+mj-ea"/>
+                <a:cs typeface="+mj-cs"/>
+              </a:rPr>
+              <a:t>Структурные элементы</a:t>
+            </a:r>
+            <a:br>
+              <a:rPr lang="ru-RU" sz="3200" kern="1200" cap="all" dirty="0">
+                <a:ln w="3175" cmpd="sng">
+                  <a:noFill/>
+                </a:ln>
+                <a:solidFill>
+                  <a:schemeClr val="accent2">
+                    <a:lumMod val="60000"/>
+                    <a:lumOff val="40000"/>
+                  </a:schemeClr>
+                </a:solidFill>
+                <a:latin typeface="+mj-lt"/>
+                <a:ea typeface="+mj-ea"/>
+                <a:cs typeface="+mj-cs"/>
+              </a:rPr>
+            </a:br>
+            <a:r>
+              <a:rPr lang="ru-RU" sz="2000" kern="1200" cap="all" dirty="0">
+                <a:ln w="3175" cmpd="sng">
+                  <a:noFill/>
+                </a:ln>
+                <a:solidFill>
+                  <a:schemeClr val="accent2">
+                    <a:lumMod val="60000"/>
+                    <a:lumOff val="40000"/>
+                  </a:schemeClr>
+                </a:solidFill>
+                <a:latin typeface="+mn-lt"/>
+                <a:ea typeface="+mn-ea"/>
+                <a:cs typeface="+mn-cs"/>
+              </a:rPr>
+              <a:t/>
+            </a:r>
+            <a:br>
+              <a:rPr lang="ru-RU" sz="2000" kern="1200" cap="all" dirty="0">
+                <a:ln w="3175" cmpd="sng">
+                  <a:noFill/>
+                </a:ln>
+                <a:solidFill>
+                  <a:schemeClr val="accent2">
+                    <a:lumMod val="60000"/>
+                    <a:lumOff val="40000"/>
+                  </a:schemeClr>
+                </a:solidFill>
+                <a:latin typeface="+mn-lt"/>
+                <a:ea typeface="+mn-ea"/>
+                <a:cs typeface="+mn-cs"/>
+              </a:rPr>
+            </a:br>
+            <a:endParaRPr lang="ru-RU" sz="2000" kern="1200" cap="all" dirty="0">
+              <a:ln w="3175" cmpd="sng">
+                <a:noFill/>
+              </a:ln>
+              <a:solidFill>
+                <a:schemeClr val="accent2">
+                  <a:lumMod val="60000"/>
+                  <a:lumOff val="40000"/>
+                </a:schemeClr>
+              </a:solidFill>
+              <a:latin typeface="+mn-lt"/>
+              <a:ea typeface="+mn-ea"/>
+              <a:cs typeface="+mn-cs"/>
+            </a:endParaRPr>
+          </a:p>
+        </p:txBody>
+      </p:sp>
+      <p:sp>
+        <p:nvSpPr>
+          <p:cNvPr id="3" name="Текст 2"/>
+          <p:cNvSpPr>
+            <a:spLocks noGrp="1"/>
+          </p:cNvSpPr>
+          <p:nvPr>
+            <p:ph type="body" idx="1"/>
+          </p:nvPr>
+        </p:nvSpPr>
+        <p:spPr>
+          <a:xfrm>
+            <a:off x="878175" y="3269673"/>
+            <a:ext cx="8535988" cy="2346036"/>
+          </a:xfrm>
+        </p:spPr>
+        <p:txBody>
+          <a:bodyPr>
+            <a:normAutofit/>
+          </a:bodyPr>
+          <a:lstStyle/>
+          <a:p>
+            <a:r>
+              <a:rPr lang="en-US" sz="1700" dirty="0"/>
+              <a:t>pygame</a:t>
+            </a:r>
+            <a:r>
+              <a:rPr lang="ru-RU" sz="1700" dirty="0"/>
+              <a:t> – основной класс для разработки игры</a:t>
+            </a:r>
+            <a:br>
+              <a:rPr lang="ru-RU" sz="1700" dirty="0"/>
+            </a:br>
+            <a:r>
+              <a:rPr lang="en-US" sz="1700" dirty="0"/>
+              <a:t>pygame</a:t>
+            </a:r>
+            <a:r>
+              <a:rPr lang="ru-RU" sz="1700" dirty="0"/>
+              <a:t>_</a:t>
+            </a:r>
+            <a:r>
+              <a:rPr lang="en-US" sz="1700" dirty="0"/>
+              <a:t>menu</a:t>
+            </a:r>
+            <a:r>
+              <a:rPr lang="ru-RU" sz="1700" dirty="0"/>
+              <a:t> – класс позволяющий легко создавать собственные меню</a:t>
+            </a:r>
+            <a:br>
+              <a:rPr lang="ru-RU" sz="1700" dirty="0"/>
+            </a:br>
+            <a:r>
+              <a:rPr lang="en-US" sz="1700" dirty="0"/>
+              <a:t>configparser</a:t>
+            </a:r>
+            <a:r>
+              <a:rPr lang="ru-RU" sz="1700" dirty="0"/>
+              <a:t> - для работ с файлами расширения .</a:t>
+            </a:r>
+            <a:r>
+              <a:rPr lang="en-US" sz="1700" dirty="0"/>
+              <a:t>cfg</a:t>
+            </a:r>
+            <a:r>
+              <a:rPr lang="ru-RU" sz="1700" dirty="0"/>
+              <a:t/>
+            </a:r>
+            <a:br>
+              <a:rPr lang="ru-RU" sz="1700" dirty="0"/>
+            </a:br>
+            <a:r>
+              <a:rPr lang="en-US" sz="1700" dirty="0"/>
+              <a:t>collections</a:t>
+            </a:r>
+            <a:r>
+              <a:rPr lang="ru-RU" sz="1700" dirty="0"/>
+              <a:t> - для анимации</a:t>
+            </a:r>
+          </a:p>
+        </p:txBody>
+      </p:sp>
+    </p:spTree>
+    <p:extLst>
+      <p:ext uri="{BB962C8B-B14F-4D97-AF65-F5344CB8AC3E}">
+        <p14:creationId xmlns:p14="http://schemas.microsoft.com/office/powerpoint/2010/main" val="2024241200"/>
+      </p:ext>
+    </p:extLst>
+  </p:cSld>
+  <p:clrMapOvr>
+    <a:masterClrMapping/>
+  </p:clrMapOvr>
+</p:sld>
+</file>
+
+<file path=ppt/slides/slide8.xml><?xml version="1.0" encoding="utf-8"?>
+<p:sld xmlns:a="http://schemas.openxmlformats.org/drawingml/2006/main" xmlns:r="http://schemas.openxmlformats.org/officeDocument/2006/relationships" xmlns:p="http://schemas.openxmlformats.org/presentationml/2006/main">
+  <p:cSld>
+    <p:bg>
+      <p:bgRef idx="1002">
+        <a:schemeClr val="bg2"/>
+      </p:bgRef>
+    </p:bg>
+    <p:spTree>
+      <p:nvGrpSpPr>
+        <p:cNvPr id="1" name=""/>
+        <p:cNvGrpSpPr/>
+        <p:nvPr/>
+      </p:nvGrpSpPr>
+      <p:grpSpPr>
+        <a:xfrm>
+          <a:off x="0" y="0"/>
+          <a:ext cx="0" cy="0"/>
+          <a:chOff x="0" y="0"/>
+          <a:chExt cx="0" cy="0"/>
+        </a:xfrm>
+      </p:grpSpPr>
+      <p:sp>
+        <p:nvSpPr>
+          <p:cNvPr id="2" name="Заголовок 1"/>
+          <p:cNvSpPr>
+            <a:spLocks noGrp="1"/>
+          </p:cNvSpPr>
+          <p:nvPr>
+            <p:ph type="title"/>
+          </p:nvPr>
+        </p:nvSpPr>
+        <p:spPr>
+          <a:xfrm>
+            <a:off x="629515" y="574964"/>
+            <a:ext cx="10058400" cy="2743200"/>
+          </a:xfrm>
+        </p:spPr>
+        <p:txBody>
+          <a:bodyPr/>
+          <a:lstStyle/>
+          <a:p>
+            <a:r>
+              <a:rPr lang="ru-RU" dirty="0">
+                <a:solidFill>
+                  <a:schemeClr val="accent2">
+                    <a:lumMod val="60000"/>
+                    <a:lumOff val="40000"/>
+                  </a:schemeClr>
+                </a:solidFill>
+              </a:rPr>
+              <a:t>Хранение данных</a:t>
+            </a:r>
+            <a:r>
+              <a:rPr lang="ru-RU" b="1" dirty="0"/>
+              <a:t/>
+            </a:r>
+            <a:br>
+              <a:rPr lang="ru-RU" b="1" dirty="0"/>
+            </a:br>
+            <a:endParaRPr lang="ru-RU" dirty="0"/>
+          </a:p>
+        </p:txBody>
+      </p:sp>
+      <p:sp>
+        <p:nvSpPr>
+          <p:cNvPr id="3" name="Текст 2"/>
+          <p:cNvSpPr>
+            <a:spLocks noGrp="1"/>
+          </p:cNvSpPr>
+          <p:nvPr>
+            <p:ph type="body" idx="1"/>
+          </p:nvPr>
+        </p:nvSpPr>
+        <p:spPr>
+          <a:xfrm>
+            <a:off x="629515" y="3135746"/>
+            <a:ext cx="8535988" cy="1879600"/>
+          </a:xfrm>
+        </p:spPr>
+        <p:txBody>
+          <a:bodyPr/>
+          <a:lstStyle/>
+          <a:p>
+            <a:r>
+              <a:rPr lang="ru-RU" dirty="0"/>
+              <a:t>Данные игровой сессии хранятся в файле с разрешением .</a:t>
+            </a:r>
+            <a:r>
+              <a:rPr lang="ru-RU" dirty="0" err="1"/>
+              <a:t>cfg</a:t>
+            </a:r>
+            <a:r>
+              <a:rPr lang="ru-RU" dirty="0"/>
+              <a:t>. Также в этом файле лежат настройки для игры.</a:t>
+            </a:r>
+            <a:endParaRPr lang="ru-RU" dirty="0"/>
+          </a:p>
+        </p:txBody>
+      </p:sp>
+    </p:spTree>
+    <p:extLst>
+      <p:ext uri="{BB962C8B-B14F-4D97-AF65-F5344CB8AC3E}">
+        <p14:creationId xmlns:p14="http://schemas.microsoft.com/office/powerpoint/2010/main" val="694534933"/>
+      </p:ext>
+    </p:extLst>
+  </p:cSld>
+  <p:clrMapOvr>
+    <a:overrideClrMapping bg1="dk1" tx1="lt1" bg2="dk2" tx2="lt2" accent1="accent1" accent2="accent2" accent3="accent3" accent4="accent4" accent5="accent5" accent6="accent6" hlink="hlink" folHlink="folHlink"/>
+  </p:clrMapOvr>
+</p:sld>
+</file>
+
+<file path=ppt/slides/slide9.xml><?xml version="1.0" encoding="utf-8"?>
+<p:sld xmlns:a="http://schemas.openxmlformats.org/drawingml/2006/main" xmlns:r="http://schemas.openxmlformats.org/officeDocument/2006/relationships" xmlns:p="http://schemas.openxmlformats.org/presentationml/2006/main">
+  <p:cSld>
+    <p:spTree>
+      <p:nvGrpSpPr>
+        <p:cNvPr id="1" name=""/>
+        <p:cNvGrpSpPr/>
+        <p:nvPr/>
+      </p:nvGrpSpPr>
+      <p:grpSpPr>
+        <a:xfrm>
+          <a:off x="0" y="0"/>
+          <a:ext cx="0" cy="0"/>
+          <a:chOff x="0" y="0"/>
+          <a:chExt cx="0" cy="0"/>
+        </a:xfrm>
+      </p:grpSpPr>
+      <p:pic>
+        <p:nvPicPr>
+          <p:cNvPr id="5" name="Рисунок 4"/>
+          <p:cNvPicPr>
+            <a:picLocks noChangeAspect="1"/>
+          </p:cNvPicPr>
+          <p:nvPr/>
+        </p:nvPicPr>
+        <p:blipFill>
+          <a:blip r:embed="rId2">
+            <a:extLst>
+              <a:ext uri="{28A0092B-C50C-407E-A947-70E740481C1C}">
+                <a14:useLocalDpi xmlns:a14="http://schemas.microsoft.com/office/drawing/2010/main" val="0"/>
+              </a:ext>
+            </a:extLst>
+          </a:blip>
+          <a:stretch>
+            <a:fillRect/>
+          </a:stretch>
+        </p:blipFill>
+        <p:spPr>
+          <a:xfrm>
+            <a:off x="0" y="0"/>
+            <a:ext cx="12192000" cy="6858000"/>
+          </a:xfrm>
+          <a:prstGeom prst="rect">
+            <a:avLst/>
+          </a:prstGeom>
+        </p:spPr>
+      </p:pic>
+      <p:pic>
+        <p:nvPicPr>
+          <p:cNvPr id="4" name="Рисунок 3"/>
+          <p:cNvPicPr>
+            <a:picLocks noChangeAspect="1"/>
+          </p:cNvPicPr>
+          <p:nvPr/>
+        </p:nvPicPr>
+        <p:blipFill>
+          <a:blip r:embed="rId3">
+            <a:extLst>
+              <a:ext uri="{BEBA8EAE-BF5A-486C-A8C5-ECC9F3942E4B}">
+                <a14:imgProps xmlns:a14="http://schemas.microsoft.com/office/drawing/2010/main">
+                  <a14:imgLayer r:embed="rId4">
+                    <a14:imgEffect>
+                      <a14:backgroundRemoval t="10000" b="90000" l="10000" r="90000">
+                        <a14:foregroundMark x1="54967" y1="38411" x2="54967" y2="38411"/>
+                        <a14:foregroundMark x1="68874" y1="36755" x2="68874" y2="36755"/>
+                        <a14:foregroundMark x1="54305" y1="35265" x2="71082" y2="41060"/>
+                        <a14:foregroundMark x1="66887" y1="26821" x2="62252" y2="40728"/>
+                        <a14:foregroundMark x1="56291" y1="57450" x2="65784" y2="37748"/>
+                        <a14:foregroundMark x1="50110" y1="18377" x2="59823" y2="18377"/>
+                        <a14:backgroundMark x1="65784" y1="15563" x2="81236" y2="33113"/>
+                        <a14:backgroundMark x1="64018" y1="19205" x2="67329" y2="22351"/>
+                        <a14:backgroundMark x1="42605" y1="25828" x2="48565" y2="20364"/>
+                      </a14:backgroundRemoval>
+                    </a14:imgEffect>
+                  </a14:imgLayer>
+                </a14:imgProps>
+              </a:ext>
+              <a:ext uri="{28A0092B-C50C-407E-A947-70E740481C1C}">
+                <a14:useLocalDpi xmlns:a14="http://schemas.microsoft.com/office/drawing/2010/main" val="0"/>
+              </a:ext>
+            </a:extLst>
+          </a:blip>
+          <a:stretch>
+            <a:fillRect/>
+          </a:stretch>
+        </p:blipFill>
+        <p:spPr>
+          <a:xfrm>
+            <a:off x="5843752" y="3625762"/>
+            <a:ext cx="6379779" cy="3589590"/>
+          </a:xfrm>
+          <a:prstGeom prst="rect">
+            <a:avLst/>
+          </a:prstGeom>
+        </p:spPr>
+      </p:pic>
+      <p:pic>
+        <p:nvPicPr>
+          <p:cNvPr id="7" name="Рисунок 6"/>
+          <p:cNvPicPr>
+            <a:picLocks noChangeAspect="1"/>
+          </p:cNvPicPr>
+          <p:nvPr/>
+        </p:nvPicPr>
+        <p:blipFill>
+          <a:blip r:embed="rId5">
+            <a:extLst>
+              <a:ext uri="{BEBA8EAE-BF5A-486C-A8C5-ECC9F3942E4B}">
+                <a14:imgProps xmlns:a14="http://schemas.microsoft.com/office/drawing/2010/main">
+                  <a14:imgLayer r:embed="rId6">
+                    <a14:imgEffect>
+                      <a14:backgroundRemoval t="4217" b="97139" l="1657" r="93675">
+                        <a14:foregroundMark x1="31175" y1="8283" x2="59789" y2="8886"/>
+                        <a14:foregroundMark x1="48795" y1="4217" x2="56627" y2="4970"/>
+                        <a14:foregroundMark x1="12048" y1="82681" x2="1657" y2="87500"/>
+                        <a14:foregroundMark x1="78313" y1="80873" x2="90211" y2="94428"/>
+                        <a14:foregroundMark x1="87199" y1="97139" x2="93675" y2="95181"/>
+                      </a14:backgroundRemoval>
+                    </a14:imgEffect>
+                  </a14:imgLayer>
+                </a14:imgProps>
+              </a:ext>
+              <a:ext uri="{28A0092B-C50C-407E-A947-70E740481C1C}">
+                <a14:useLocalDpi xmlns:a14="http://schemas.microsoft.com/office/drawing/2010/main" val="0"/>
+              </a:ext>
+            </a:extLst>
+          </a:blip>
+          <a:stretch>
+            <a:fillRect/>
+          </a:stretch>
+        </p:blipFill>
+        <p:spPr>
+          <a:xfrm flipH="1">
+            <a:off x="5580993" y="3302876"/>
+            <a:ext cx="2385849" cy="2321472"/>
+          </a:xfrm>
+          <a:prstGeom prst="rect">
+            <a:avLst/>
+          </a:prstGeom>
+        </p:spPr>
+      </p:pic>
+    </p:spTree>
+    <p:extLst>
+      <p:ext uri="{BB962C8B-B14F-4D97-AF65-F5344CB8AC3E}">
+        <p14:creationId xmlns:p14="http://schemas.microsoft.com/office/powerpoint/2010/main" val="3482231989"/>
       </p:ext>
     </p:extLst>
   </p:cSld>
@@ -6180,4 +7316,133 @@
     </a:ext>
   </a:extLst>
 </a:theme>
+</file>
+
+<file path=ppt/theme/themeOverride1.xml><?xml version="1.0" encoding="utf-8"?>
+<a:themeOverride xmlns:a="http://schemas.openxmlformats.org/drawingml/2006/main">
+  <a:clrScheme name="Синий">
+    <a:dk1>
+      <a:sysClr val="windowText" lastClr="000000"/>
+    </a:dk1>
+    <a:lt1>
+      <a:sysClr val="window" lastClr="FFFFFF"/>
+    </a:lt1>
+    <a:dk2>
+      <a:srgbClr val="17406D"/>
+    </a:dk2>
+    <a:lt2>
+      <a:srgbClr val="DBEFF9"/>
+    </a:lt2>
+    <a:accent1>
+      <a:srgbClr val="0F6FC6"/>
+    </a:accent1>
+    <a:accent2>
+      <a:srgbClr val="009DD9"/>
+    </a:accent2>
+    <a:accent3>
+      <a:srgbClr val="0BD0D9"/>
+    </a:accent3>
+    <a:accent4>
+      <a:srgbClr val="10CF9B"/>
+    </a:accent4>
+    <a:accent5>
+      <a:srgbClr val="7CCA62"/>
+    </a:accent5>
+    <a:accent6>
+      <a:srgbClr val="A5C249"/>
+    </a:accent6>
+    <a:hlink>
+      <a:srgbClr val="F49100"/>
+    </a:hlink>
+    <a:folHlink>
+      <a:srgbClr val="85DFD0"/>
+    </a:folHlink>
+  </a:clrScheme>
+</a:themeOverride>
+</file>
+
+<file path=ppt/theme/themeOverride2.xml><?xml version="1.0" encoding="utf-8"?>
+<a:themeOverride xmlns:a="http://schemas.openxmlformats.org/drawingml/2006/main">
+  <a:clrScheme name="Синий">
+    <a:dk1>
+      <a:sysClr val="windowText" lastClr="000000"/>
+    </a:dk1>
+    <a:lt1>
+      <a:sysClr val="window" lastClr="FFFFFF"/>
+    </a:lt1>
+    <a:dk2>
+      <a:srgbClr val="17406D"/>
+    </a:dk2>
+    <a:lt2>
+      <a:srgbClr val="DBEFF9"/>
+    </a:lt2>
+    <a:accent1>
+      <a:srgbClr val="0F6FC6"/>
+    </a:accent1>
+    <a:accent2>
+      <a:srgbClr val="009DD9"/>
+    </a:accent2>
+    <a:accent3>
+      <a:srgbClr val="0BD0D9"/>
+    </a:accent3>
+    <a:accent4>
+      <a:srgbClr val="10CF9B"/>
+    </a:accent4>
+    <a:accent5>
+      <a:srgbClr val="7CCA62"/>
+    </a:accent5>
+    <a:accent6>
+      <a:srgbClr val="A5C249"/>
+    </a:accent6>
+    <a:hlink>
+      <a:srgbClr val="F49100"/>
+    </a:hlink>
+    <a:folHlink>
+      <a:srgbClr val="85DFD0"/>
+    </a:folHlink>
+  </a:clrScheme>
+</a:themeOverride>
+</file>
+
+<file path=ppt/theme/themeOverride3.xml><?xml version="1.0" encoding="utf-8"?>
+<a:themeOverride xmlns:a="http://schemas.openxmlformats.org/drawingml/2006/main">
+  <a:clrScheme name="Синий">
+    <a:dk1>
+      <a:sysClr val="windowText" lastClr="000000"/>
+    </a:dk1>
+    <a:lt1>
+      <a:sysClr val="window" lastClr="FFFFFF"/>
+    </a:lt1>
+    <a:dk2>
+      <a:srgbClr val="17406D"/>
+    </a:dk2>
+    <a:lt2>
+      <a:srgbClr val="DBEFF9"/>
+    </a:lt2>
+    <a:accent1>
+      <a:srgbClr val="0F6FC6"/>
+    </a:accent1>
+    <a:accent2>
+      <a:srgbClr val="009DD9"/>
+    </a:accent2>
+    <a:accent3>
+      <a:srgbClr val="0BD0D9"/>
+    </a:accent3>
+    <a:accent4>
+      <a:srgbClr val="10CF9B"/>
+    </a:accent4>
+    <a:accent5>
+      <a:srgbClr val="7CCA62"/>
+    </a:accent5>
+    <a:accent6>
+      <a:srgbClr val="A5C249"/>
+    </a:accent6>
+    <a:hlink>
+      <a:srgbClr val="F49100"/>
+    </a:hlink>
+    <a:folHlink>
+      <a:srgbClr val="85DFD0"/>
+    </a:folHlink>
+  </a:clrScheme>
+</a:themeOverride>
 </file>